--- a/PPT/MechOnSpot.pptx
+++ b/PPT/MechOnSpot.pptx
@@ -8,17 +8,18 @@
     <p:sldId id="256" r:id="rId2"/>
     <p:sldId id="258" r:id="rId3"/>
     <p:sldId id="260" r:id="rId4"/>
-    <p:sldId id="259" r:id="rId5"/>
-    <p:sldId id="267" r:id="rId6"/>
-    <p:sldId id="268" r:id="rId7"/>
-    <p:sldId id="269" r:id="rId8"/>
-    <p:sldId id="270" r:id="rId9"/>
-    <p:sldId id="264" r:id="rId10"/>
-    <p:sldId id="265" r:id="rId11"/>
-    <p:sldId id="266" r:id="rId12"/>
-    <p:sldId id="262" r:id="rId13"/>
-    <p:sldId id="257" r:id="rId14"/>
-    <p:sldId id="261" r:id="rId15"/>
+    <p:sldId id="271" r:id="rId5"/>
+    <p:sldId id="259" r:id="rId6"/>
+    <p:sldId id="267" r:id="rId7"/>
+    <p:sldId id="268" r:id="rId8"/>
+    <p:sldId id="269" r:id="rId9"/>
+    <p:sldId id="270" r:id="rId10"/>
+    <p:sldId id="264" r:id="rId11"/>
+    <p:sldId id="265" r:id="rId12"/>
+    <p:sldId id="266" r:id="rId13"/>
+    <p:sldId id="262" r:id="rId14"/>
+    <p:sldId id="257" r:id="rId15"/>
+    <p:sldId id="261" r:id="rId16"/>
   </p:sldIdLst>
   <p:sldSz cx="12192000" cy="6858000"/>
   <p:notesSz cx="6858000" cy="9144000"/>
@@ -6371,9 +6372,10 @@
           <a:lstStyle/>
           <a:p>
             <a:r>
-              <a:rPr lang="en-US" dirty="0"/>
-              <a:t>ROUTING</a:t>
-            </a:r>
+              <a:rPr lang="en-US"/>
+              <a:t>AUTHENTICATION</a:t>
+            </a:r>
+            <a:endParaRPr lang="en-US" dirty="0"/>
           </a:p>
         </p:txBody>
       </p:sp>
@@ -6395,14 +6397,12 @@
         </p:nvSpPr>
         <p:spPr>
           <a:xfrm>
-            <a:off x="685800" y="1976284"/>
-            <a:ext cx="5139532" cy="4242401"/>
-          </a:xfrm>
-        </p:spPr>
-        <p:txBody>
-          <a:bodyPr>
-            <a:normAutofit lnSpcReduction="10000"/>
-          </a:bodyPr>
+            <a:off x="685800" y="2194560"/>
+            <a:ext cx="5139532" cy="4024125"/>
+          </a:xfrm>
+        </p:spPr>
+        <p:txBody>
+          <a:bodyPr/>
           <a:lstStyle/>
           <a:p>
             <a:pPr marL="342900" marR="0" lvl="0" indent="-342900">
@@ -6419,75 +6419,30 @@
               <a:buChar char=""/>
             </a:pPr>
             <a:r>
-              <a:rPr lang="en-US" sz="2000" dirty="0">
+              <a:rPr lang="en-US" sz="2000">
                 <a:effectLst/>
                 <a:latin typeface="+mj-lt"/>
                 <a:ea typeface="Calibri" panose="020F0502020204030204" pitchFamily="34" charset="0"/>
                 <a:cs typeface="Times New Roman" panose="02020603050405020304" pitchFamily="18" charset="0"/>
               </a:rPr>
-              <a:t>Routing occurs in App.js</a:t>
-            </a:r>
-          </a:p>
-          <a:p>
-            <a:r>
-              <a:rPr lang="en-US" dirty="0"/>
-              <a:t>We give </a:t>
-            </a:r>
-            <a:r>
-              <a:rPr lang="en-US" dirty="0" err="1"/>
-              <a:t>AuthProvider</a:t>
-            </a:r>
-            <a:r>
-              <a:rPr lang="en-US" dirty="0"/>
-              <a:t> -What’s an </a:t>
-            </a:r>
-            <a:r>
-              <a:rPr lang="en-US" dirty="0" err="1"/>
-              <a:t>authProvider</a:t>
-            </a:r>
-            <a:r>
-              <a:rPr lang="en-US" dirty="0"/>
-              <a:t>? Just like a </a:t>
-            </a:r>
-            <a:r>
-              <a:rPr lang="en-US" dirty="0" err="1"/>
-              <a:t>dataProvider</a:t>
-            </a:r>
-            <a:r>
-              <a:rPr lang="en-US" dirty="0"/>
-              <a:t>, an </a:t>
-            </a:r>
-            <a:r>
-              <a:rPr lang="en-US" dirty="0" err="1"/>
-              <a:t>authProvider</a:t>
-            </a:r>
-            <a:r>
-              <a:rPr lang="en-US" dirty="0"/>
-              <a:t> is an object that handles authentication and authorization logic. </a:t>
-            </a:r>
-          </a:p>
-          <a:p>
-            <a:r>
-              <a:rPr lang="en-US" dirty="0"/>
-              <a:t>It exposes methods that react-admin calls when needed, and that you can call manually through specialized hooks. The </a:t>
-            </a:r>
-            <a:r>
-              <a:rPr lang="en-US" dirty="0" err="1"/>
-              <a:t>authProvider</a:t>
-            </a:r>
-            <a:r>
-              <a:rPr lang="en-US" dirty="0"/>
-              <a:t> methods must return a Promise.</a:t>
-            </a:r>
+              <a:t>Authentication to the system happens in Firebase.</a:t>
+            </a:r>
+          </a:p>
+          <a:p>
+            <a:r>
+              <a:rPr lang="en-US"/>
+              <a:t>We use the following API Key, storage, DB </a:t>
+            </a:r>
+            <a:endParaRPr lang="en-US" dirty="0"/>
           </a:p>
         </p:txBody>
       </p:sp>
       <p:pic>
         <p:nvPicPr>
-          <p:cNvPr id="8" name="Picture 7">
+          <p:cNvPr id="7" name="Picture 6">
             <a:extLst>
               <a:ext uri="{FF2B5EF4-FFF2-40B4-BE49-F238E27FC236}">
-                <a16:creationId xmlns:a16="http://schemas.microsoft.com/office/drawing/2014/main" id="{876E5289-D391-4B4C-BC0E-166ABCF6E804}"/>
+                <a16:creationId xmlns:a16="http://schemas.microsoft.com/office/drawing/2014/main" id="{495D0071-0D1C-416B-9CE4-8E08986E691A}"/>
               </a:ext>
             </a:extLst>
           </p:cNvPr>
@@ -6504,8 +6459,8 @@
         </p:blipFill>
         <p:spPr>
           <a:xfrm>
-            <a:off x="6096000" y="2076040"/>
-            <a:ext cx="4892464" cy="4024124"/>
+            <a:off x="6526943" y="2004460"/>
+            <a:ext cx="4663844" cy="4435669"/>
           </a:xfrm>
           <a:prstGeom prst="rect">
             <a:avLst/>
@@ -6515,7 +6470,7 @@
     </p:spTree>
     <p:extLst>
       <p:ext uri="{BB962C8B-B14F-4D97-AF65-F5344CB8AC3E}">
-        <p14:creationId xmlns:p14="http://schemas.microsoft.com/office/powerpoint/2010/main" val="2529436026"/>
+        <p14:creationId xmlns:p14="http://schemas.microsoft.com/office/powerpoint/2010/main" val="3425387812"/>
       </p:ext>
     </p:extLst>
   </p:cSld>
@@ -6570,7 +6525,7 @@
           <a:p>
             <a:r>
               <a:rPr lang="en-US" dirty="0"/>
-              <a:t>STYLING</a:t>
+              <a:t>ROUTING</a:t>
             </a:r>
           </a:p>
         </p:txBody>
@@ -6599,7 +6554,7 @@
         </p:spPr>
         <p:txBody>
           <a:bodyPr>
-            <a:normAutofit/>
+            <a:normAutofit lnSpcReduction="10000"/>
           </a:bodyPr>
           <a:lstStyle/>
           <a:p>
@@ -6623,18 +6578,69 @@
                 <a:ea typeface="Calibri" panose="020F0502020204030204" pitchFamily="34" charset="0"/>
                 <a:cs typeface="Times New Roman" panose="02020603050405020304" pitchFamily="18" charset="0"/>
               </a:rPr>
-              <a:t>All the styles are given externally in App.css file.</a:t>
-            </a:r>
-            <a:endParaRPr lang="en-US" dirty="0"/>
+              <a:t>Routing occurs in App.js</a:t>
+            </a:r>
+          </a:p>
+          <a:p>
+            <a:r>
+              <a:rPr lang="en-US" dirty="0"/>
+              <a:t>We give </a:t>
+            </a:r>
+            <a:r>
+              <a:rPr lang="en-US" dirty="0" err="1"/>
+              <a:t>AuthProvider</a:t>
+            </a:r>
+            <a:r>
+              <a:rPr lang="en-US" dirty="0"/>
+              <a:t> -What’s an </a:t>
+            </a:r>
+            <a:r>
+              <a:rPr lang="en-US" dirty="0" err="1"/>
+              <a:t>authProvider</a:t>
+            </a:r>
+            <a:r>
+              <a:rPr lang="en-US" dirty="0"/>
+              <a:t>? Just like a </a:t>
+            </a:r>
+            <a:r>
+              <a:rPr lang="en-US" dirty="0" err="1"/>
+              <a:t>dataProvider</a:t>
+            </a:r>
+            <a:r>
+              <a:rPr lang="en-US" dirty="0"/>
+              <a:t>, an </a:t>
+            </a:r>
+            <a:r>
+              <a:rPr lang="en-US" dirty="0" err="1"/>
+              <a:t>authProvider</a:t>
+            </a:r>
+            <a:r>
+              <a:rPr lang="en-US" dirty="0"/>
+              <a:t> is an object that handles authentication and authorization logic. </a:t>
+            </a:r>
+          </a:p>
+          <a:p>
+            <a:r>
+              <a:rPr lang="en-US" dirty="0"/>
+              <a:t>It exposes methods that react-admin calls when needed, and that you can call manually through specialized hooks. The </a:t>
+            </a:r>
+            <a:r>
+              <a:rPr lang="en-US" dirty="0" err="1"/>
+              <a:t>authProvider</a:t>
+            </a:r>
+            <a:r>
+              <a:rPr lang="en-US" dirty="0"/>
+              <a:t> methods must return a Promise.</a:t>
+            </a:r>
           </a:p>
         </p:txBody>
       </p:sp>
       <p:pic>
         <p:nvPicPr>
-          <p:cNvPr id="5" name="Picture 4">
+          <p:cNvPr id="8" name="Picture 7">
             <a:extLst>
               <a:ext uri="{FF2B5EF4-FFF2-40B4-BE49-F238E27FC236}">
-                <a16:creationId xmlns:a16="http://schemas.microsoft.com/office/drawing/2014/main" id="{7E631C13-8191-452C-96A9-0D42BA205F23}"/>
+                <a16:creationId xmlns:a16="http://schemas.microsoft.com/office/drawing/2014/main" id="{876E5289-D391-4B4C-BC0E-166ABCF6E804}"/>
               </a:ext>
             </a:extLst>
           </p:cNvPr>
@@ -6651,8 +6657,8 @@
         </p:blipFill>
         <p:spPr>
           <a:xfrm>
-            <a:off x="6354015" y="1855647"/>
-            <a:ext cx="4540127" cy="4685729"/>
+            <a:off x="6096000" y="2076040"/>
+            <a:ext cx="4892464" cy="4024124"/>
           </a:xfrm>
           <a:prstGeom prst="rect">
             <a:avLst/>
@@ -6662,7 +6668,7 @@
     </p:spTree>
     <p:extLst>
       <p:ext uri="{BB962C8B-B14F-4D97-AF65-F5344CB8AC3E}">
-        <p14:creationId xmlns:p14="http://schemas.microsoft.com/office/powerpoint/2010/main" val="2949718405"/>
+        <p14:creationId xmlns:p14="http://schemas.microsoft.com/office/powerpoint/2010/main" val="2529436026"/>
       </p:ext>
     </p:extLst>
   </p:cSld>
@@ -6694,7 +6700,7 @@
           <p:cNvPr id="2" name="Title 1">
             <a:extLst>
               <a:ext uri="{FF2B5EF4-FFF2-40B4-BE49-F238E27FC236}">
-                <a16:creationId xmlns:a16="http://schemas.microsoft.com/office/drawing/2014/main" id="{B7FD5277-35E8-4C6B-96A2-60EE69089649}"/>
+                <a16:creationId xmlns:a16="http://schemas.microsoft.com/office/drawing/2014/main" id="{DAD1EE84-DDBD-441A-B793-9A60003CB88C}"/>
               </a:ext>
             </a:extLst>
           </p:cNvPr>
@@ -6705,20 +6711,20 @@
             <p:ph type="title"/>
           </p:nvPr>
         </p:nvSpPr>
-        <p:spPr/>
+        <p:spPr>
+          <a:xfrm>
+            <a:off x="2895600" y="764373"/>
+            <a:ext cx="8610600" cy="1091275"/>
+          </a:xfrm>
+        </p:spPr>
         <p:txBody>
           <a:bodyPr/>
           <a:lstStyle/>
           <a:p>
             <a:r>
               <a:rPr lang="en-US" dirty="0"/>
-              <a:t>Future </a:t>
-            </a:r>
-            <a:r>
-              <a:rPr lang="en-US" dirty="0" err="1"/>
-              <a:t>SCope</a:t>
-            </a:r>
-            <a:endParaRPr lang="en-US" dirty="0"/>
+              <a:t>STYLING</a:t>
+            </a:r>
           </a:p>
         </p:txBody>
       </p:sp>
@@ -6727,7 +6733,7 @@
           <p:cNvPr id="3" name="Content Placeholder 2">
             <a:extLst>
               <a:ext uri="{FF2B5EF4-FFF2-40B4-BE49-F238E27FC236}">
-                <a16:creationId xmlns:a16="http://schemas.microsoft.com/office/drawing/2014/main" id="{7D4BA0A9-CA3E-46B4-B1CF-CC74EE2C1FFC}"/>
+                <a16:creationId xmlns:a16="http://schemas.microsoft.com/office/drawing/2014/main" id="{E650056A-E415-4BFC-927B-EFA44318A259}"/>
               </a:ext>
             </a:extLst>
           </p:cNvPr>
@@ -6738,124 +6744,78 @@
             <p:ph idx="1"/>
           </p:nvPr>
         </p:nvSpPr>
-        <p:spPr/>
+        <p:spPr>
+          <a:xfrm>
+            <a:off x="685800" y="1976284"/>
+            <a:ext cx="5139532" cy="4242401"/>
+          </a:xfrm>
+        </p:spPr>
         <p:txBody>
           <a:bodyPr>
             <a:normAutofit/>
           </a:bodyPr>
           <a:lstStyle/>
           <a:p>
-            <a:r>
-              <a:rPr lang="fr-FR" sz="2000" b="0" i="0" u="none" strike="noStrike" baseline="0" dirty="0" err="1"/>
-              <a:t>Add</a:t>
-            </a:r>
-            <a:r>
-              <a:rPr lang="fr-FR" sz="2000" b="0" i="0" u="none" strike="noStrike" baseline="0" dirty="0"/>
-              <a:t> Google </a:t>
-            </a:r>
-            <a:r>
-              <a:rPr lang="fr-FR" sz="2000" b="0" i="0" u="none" strike="noStrike" baseline="0" dirty="0" err="1"/>
-              <a:t>Maps</a:t>
-            </a:r>
-            <a:r>
-              <a:rPr lang="fr-FR" sz="2000" b="0" i="0" u="none" strike="noStrike" baseline="0" dirty="0"/>
-              <a:t> Distance Matrix API to </a:t>
-            </a:r>
-            <a:r>
-              <a:rPr lang="fr-FR" sz="2000" b="0" i="0" u="none" strike="noStrike" baseline="0" dirty="0" err="1"/>
-              <a:t>get</a:t>
-            </a:r>
-            <a:r>
-              <a:rPr lang="fr-FR" sz="2000" b="0" i="0" u="none" strike="noStrike" baseline="0" dirty="0"/>
-              <a:t> the live </a:t>
-            </a:r>
-            <a:r>
-              <a:rPr lang="fr-FR" sz="2000" b="0" i="0" u="none" strike="noStrike" baseline="0" dirty="0" err="1"/>
-              <a:t>tracking</a:t>
-            </a:r>
-            <a:r>
-              <a:rPr lang="fr-FR" sz="2000" b="0" i="0" u="none" strike="noStrike" baseline="0" dirty="0"/>
-              <a:t> of the </a:t>
-            </a:r>
-            <a:r>
-              <a:rPr lang="fr-FR" sz="2000" b="0" i="0" u="none" strike="noStrike" baseline="0" dirty="0" err="1"/>
-              <a:t>Mechanic</a:t>
-            </a:r>
-            <a:r>
-              <a:rPr lang="fr-FR" sz="2000" b="0" i="0" u="none" strike="noStrike" baseline="0" dirty="0"/>
-              <a:t> and the user locations.</a:t>
-            </a:r>
-          </a:p>
-          <a:p>
-            <a:r>
-              <a:rPr lang="fr-FR" sz="2000" dirty="0"/>
-              <a:t>Registration for </a:t>
-            </a:r>
-            <a:r>
-              <a:rPr lang="fr-FR" sz="2000" dirty="0" err="1"/>
-              <a:t>Mechanics</a:t>
-            </a:r>
-            <a:r>
-              <a:rPr lang="fr-FR" sz="2000" dirty="0"/>
-              <a:t> </a:t>
-            </a:r>
-            <a:r>
-              <a:rPr lang="fr-FR" sz="2000" dirty="0" err="1"/>
-              <a:t>directly</a:t>
-            </a:r>
-            <a:r>
-              <a:rPr lang="fr-FR" sz="2000" dirty="0"/>
-              <a:t> in the app.</a:t>
-            </a:r>
-          </a:p>
-          <a:p>
-            <a:r>
-              <a:rPr lang="fr-FR" sz="2000" dirty="0"/>
-              <a:t>Mobile app </a:t>
-            </a:r>
-            <a:r>
-              <a:rPr lang="fr-FR" sz="2000" dirty="0" err="1"/>
-              <a:t>flexibility</a:t>
-            </a:r>
-            <a:r>
-              <a:rPr lang="fr-FR" sz="2000" dirty="0"/>
-              <a:t>.</a:t>
-            </a:r>
-          </a:p>
-          <a:p>
-            <a:r>
-              <a:rPr lang="fr-FR" sz="2000" dirty="0"/>
-              <a:t>Platform </a:t>
-            </a:r>
-            <a:r>
-              <a:rPr lang="fr-FR" sz="2000" dirty="0" err="1"/>
-              <a:t>hosting</a:t>
-            </a:r>
-            <a:r>
-              <a:rPr lang="fr-FR" sz="2000" dirty="0"/>
-              <a:t> </a:t>
-            </a:r>
-            <a:r>
-              <a:rPr lang="fr-FR" sz="2000" dirty="0" err="1"/>
-              <a:t>with</a:t>
-            </a:r>
-            <a:r>
-              <a:rPr lang="fr-FR" sz="2000" dirty="0"/>
-              <a:t> AWS and Azure.</a:t>
-            </a:r>
-          </a:p>
-          <a:p>
-            <a:endParaRPr lang="fr-FR" sz="2000" dirty="0"/>
-          </a:p>
-          <a:p>
-            <a:endParaRPr lang="en-US" sz="2400" dirty="0"/>
-          </a:p>
-        </p:txBody>
-      </p:sp>
+            <a:pPr marL="342900" marR="0" lvl="0" indent="-342900">
+              <a:lnSpc>
+                <a:spcPct val="150000"/>
+              </a:lnSpc>
+              <a:spcBef>
+                <a:spcPts val="0"/>
+              </a:spcBef>
+              <a:spcAft>
+                <a:spcPts val="0"/>
+              </a:spcAft>
+              <a:buFont typeface="Symbol" panose="05050102010706020507" pitchFamily="18" charset="2"/>
+              <a:buChar char=""/>
+            </a:pPr>
+            <a:r>
+              <a:rPr lang="en-US" sz="2000" dirty="0">
+                <a:effectLst/>
+                <a:latin typeface="+mj-lt"/>
+                <a:ea typeface="Calibri" panose="020F0502020204030204" pitchFamily="34" charset="0"/>
+                <a:cs typeface="Times New Roman" panose="02020603050405020304" pitchFamily="18" charset="0"/>
+              </a:rPr>
+              <a:t>All the styles are given externally in App.css file.</a:t>
+            </a:r>
+            <a:endParaRPr lang="en-US" dirty="0"/>
+          </a:p>
+        </p:txBody>
+      </p:sp>
+      <p:pic>
+        <p:nvPicPr>
+          <p:cNvPr id="5" name="Picture 4">
+            <a:extLst>
+              <a:ext uri="{FF2B5EF4-FFF2-40B4-BE49-F238E27FC236}">
+                <a16:creationId xmlns:a16="http://schemas.microsoft.com/office/drawing/2014/main" id="{7E631C13-8191-452C-96A9-0D42BA205F23}"/>
+              </a:ext>
+            </a:extLst>
+          </p:cNvPr>
+          <p:cNvPicPr>
+            <a:picLocks noChangeAspect="1"/>
+          </p:cNvPicPr>
+          <p:nvPr/>
+        </p:nvPicPr>
+        <p:blipFill>
+          <a:blip r:embed="rId2"/>
+          <a:stretch>
+            <a:fillRect/>
+          </a:stretch>
+        </p:blipFill>
+        <p:spPr>
+          <a:xfrm>
+            <a:off x="6354015" y="1855647"/>
+            <a:ext cx="4540127" cy="4685729"/>
+          </a:xfrm>
+          <a:prstGeom prst="rect">
+            <a:avLst/>
+          </a:prstGeom>
+        </p:spPr>
+      </p:pic>
     </p:spTree>
     <p:extLst>
       <p:ext uri="{BB962C8B-B14F-4D97-AF65-F5344CB8AC3E}">
-        <p14:creationId xmlns:p14="http://schemas.microsoft.com/office/powerpoint/2010/main" val="158529925"/>
+        <p14:creationId xmlns:p14="http://schemas.microsoft.com/office/powerpoint/2010/main" val="2949718405"/>
       </p:ext>
     </p:extLst>
   </p:cSld>
@@ -6887,6 +6847,199 @@
           <p:cNvPr id="2" name="Title 1">
             <a:extLst>
               <a:ext uri="{FF2B5EF4-FFF2-40B4-BE49-F238E27FC236}">
+                <a16:creationId xmlns:a16="http://schemas.microsoft.com/office/drawing/2014/main" id="{B7FD5277-35E8-4C6B-96A2-60EE69089649}"/>
+              </a:ext>
+            </a:extLst>
+          </p:cNvPr>
+          <p:cNvSpPr>
+            <a:spLocks noGrp="1"/>
+          </p:cNvSpPr>
+          <p:nvPr>
+            <p:ph type="title"/>
+          </p:nvPr>
+        </p:nvSpPr>
+        <p:spPr/>
+        <p:txBody>
+          <a:bodyPr/>
+          <a:lstStyle/>
+          <a:p>
+            <a:r>
+              <a:rPr lang="en-US" dirty="0"/>
+              <a:t>Future </a:t>
+            </a:r>
+            <a:r>
+              <a:rPr lang="en-US" dirty="0" err="1"/>
+              <a:t>SCope</a:t>
+            </a:r>
+            <a:endParaRPr lang="en-US" dirty="0"/>
+          </a:p>
+        </p:txBody>
+      </p:sp>
+      <p:sp>
+        <p:nvSpPr>
+          <p:cNvPr id="3" name="Content Placeholder 2">
+            <a:extLst>
+              <a:ext uri="{FF2B5EF4-FFF2-40B4-BE49-F238E27FC236}">
+                <a16:creationId xmlns:a16="http://schemas.microsoft.com/office/drawing/2014/main" id="{7D4BA0A9-CA3E-46B4-B1CF-CC74EE2C1FFC}"/>
+              </a:ext>
+            </a:extLst>
+          </p:cNvPr>
+          <p:cNvSpPr>
+            <a:spLocks noGrp="1"/>
+          </p:cNvSpPr>
+          <p:nvPr>
+            <p:ph idx="1"/>
+          </p:nvPr>
+        </p:nvSpPr>
+        <p:spPr/>
+        <p:txBody>
+          <a:bodyPr>
+            <a:normAutofit/>
+          </a:bodyPr>
+          <a:lstStyle/>
+          <a:p>
+            <a:r>
+              <a:rPr lang="fr-FR" sz="2000" b="0" i="0" u="none" strike="noStrike" baseline="0" dirty="0" err="1"/>
+              <a:t>Add</a:t>
+            </a:r>
+            <a:r>
+              <a:rPr lang="fr-FR" sz="2000" b="0" i="0" u="none" strike="noStrike" baseline="0" dirty="0"/>
+              <a:t> Google </a:t>
+            </a:r>
+            <a:r>
+              <a:rPr lang="fr-FR" sz="2000" b="0" i="0" u="none" strike="noStrike" baseline="0" dirty="0" err="1"/>
+              <a:t>Maps</a:t>
+            </a:r>
+            <a:r>
+              <a:rPr lang="fr-FR" sz="2000" b="0" i="0" u="none" strike="noStrike" baseline="0" dirty="0"/>
+              <a:t> Distance Matrix API to </a:t>
+            </a:r>
+            <a:r>
+              <a:rPr lang="fr-FR" sz="2000" b="0" i="0" u="none" strike="noStrike" baseline="0" dirty="0" err="1"/>
+              <a:t>get</a:t>
+            </a:r>
+            <a:r>
+              <a:rPr lang="fr-FR" sz="2000" b="0" i="0" u="none" strike="noStrike" baseline="0" dirty="0"/>
+              <a:t> the live </a:t>
+            </a:r>
+            <a:r>
+              <a:rPr lang="fr-FR" sz="2000" b="0" i="0" u="none" strike="noStrike" baseline="0" dirty="0" err="1"/>
+              <a:t>tracking</a:t>
+            </a:r>
+            <a:r>
+              <a:rPr lang="fr-FR" sz="2000" b="0" i="0" u="none" strike="noStrike" baseline="0" dirty="0"/>
+              <a:t> of the </a:t>
+            </a:r>
+            <a:r>
+              <a:rPr lang="fr-FR" sz="2000" b="0" i="0" u="none" strike="noStrike" baseline="0" dirty="0" err="1"/>
+              <a:t>Mechanic</a:t>
+            </a:r>
+            <a:r>
+              <a:rPr lang="fr-FR" sz="2000" b="0" i="0" u="none" strike="noStrike" baseline="0" dirty="0"/>
+              <a:t> and the user locations.</a:t>
+            </a:r>
+          </a:p>
+          <a:p>
+            <a:r>
+              <a:rPr lang="fr-FR" sz="2000" dirty="0"/>
+              <a:t>Registration for </a:t>
+            </a:r>
+            <a:r>
+              <a:rPr lang="fr-FR" sz="2000" dirty="0" err="1"/>
+              <a:t>Mechanics</a:t>
+            </a:r>
+            <a:r>
+              <a:rPr lang="fr-FR" sz="2000" dirty="0"/>
+              <a:t> </a:t>
+            </a:r>
+            <a:r>
+              <a:rPr lang="fr-FR" sz="2000" dirty="0" err="1"/>
+              <a:t>directly</a:t>
+            </a:r>
+            <a:r>
+              <a:rPr lang="fr-FR" sz="2000" dirty="0"/>
+              <a:t> in the app.</a:t>
+            </a:r>
+          </a:p>
+          <a:p>
+            <a:r>
+              <a:rPr lang="fr-FR" sz="2000" dirty="0"/>
+              <a:t>Mobile app </a:t>
+            </a:r>
+            <a:r>
+              <a:rPr lang="fr-FR" sz="2000" dirty="0" err="1"/>
+              <a:t>flexibility</a:t>
+            </a:r>
+            <a:r>
+              <a:rPr lang="fr-FR" sz="2000" dirty="0"/>
+              <a:t>.</a:t>
+            </a:r>
+          </a:p>
+          <a:p>
+            <a:r>
+              <a:rPr lang="fr-FR" sz="2000" dirty="0"/>
+              <a:t>Platform </a:t>
+            </a:r>
+            <a:r>
+              <a:rPr lang="fr-FR" sz="2000" dirty="0" err="1"/>
+              <a:t>hosting</a:t>
+            </a:r>
+            <a:r>
+              <a:rPr lang="fr-FR" sz="2000" dirty="0"/>
+              <a:t> </a:t>
+            </a:r>
+            <a:r>
+              <a:rPr lang="fr-FR" sz="2000" dirty="0" err="1"/>
+              <a:t>with</a:t>
+            </a:r>
+            <a:r>
+              <a:rPr lang="fr-FR" sz="2000" dirty="0"/>
+              <a:t> AWS and Azure.</a:t>
+            </a:r>
+          </a:p>
+          <a:p>
+            <a:endParaRPr lang="fr-FR" sz="2000" dirty="0"/>
+          </a:p>
+          <a:p>
+            <a:endParaRPr lang="en-US" sz="2400" dirty="0"/>
+          </a:p>
+        </p:txBody>
+      </p:sp>
+    </p:spTree>
+    <p:extLst>
+      <p:ext uri="{BB962C8B-B14F-4D97-AF65-F5344CB8AC3E}">
+        <p14:creationId xmlns:p14="http://schemas.microsoft.com/office/powerpoint/2010/main" val="158529925"/>
+      </p:ext>
+    </p:extLst>
+  </p:cSld>
+  <p:clrMapOvr>
+    <a:masterClrMapping/>
+  </p:clrMapOvr>
+</p:sld>
+</file>
+
+<file path=ppt/slides/slide14.xml><?xml version="1.0" encoding="utf-8"?>
+<p:sld xmlns:a="http://schemas.openxmlformats.org/drawingml/2006/main" xmlns:r="http://schemas.openxmlformats.org/officeDocument/2006/relationships" xmlns:p="http://schemas.openxmlformats.org/presentationml/2006/main">
+  <p:cSld>
+    <p:spTree>
+      <p:nvGrpSpPr>
+        <p:cNvPr id="1" name=""/>
+        <p:cNvGrpSpPr/>
+        <p:nvPr/>
+      </p:nvGrpSpPr>
+      <p:grpSpPr>
+        <a:xfrm>
+          <a:off x="0" y="0"/>
+          <a:ext cx="0" cy="0"/>
+          <a:chOff x="0" y="0"/>
+          <a:chExt cx="0" cy="0"/>
+        </a:xfrm>
+      </p:grpSpPr>
+      <p:sp>
+        <p:nvSpPr>
+          <p:cNvPr id="2" name="Title 1">
+            <a:extLst>
+              <a:ext uri="{FF2B5EF4-FFF2-40B4-BE49-F238E27FC236}">
                 <a16:creationId xmlns:a16="http://schemas.microsoft.com/office/drawing/2014/main" id="{68BC13F0-0342-4A15-A3FE-6BD63B0FACEF}"/>
               </a:ext>
             </a:extLst>
@@ -7024,7 +7177,7 @@
 </p:sld>
 </file>
 
-<file path=ppt/slides/slide14.xml><?xml version="1.0" encoding="utf-8"?>
+<file path=ppt/slides/slide15.xml><?xml version="1.0" encoding="utf-8"?>
 <p:sld xmlns:a="http://schemas.openxmlformats.org/drawingml/2006/main" xmlns:r="http://schemas.openxmlformats.org/officeDocument/2006/relationships" xmlns:p="http://schemas.openxmlformats.org/presentationml/2006/main">
   <p:cSld>
     <p:spTree>
@@ -7470,7 +7623,7 @@
           <p:cNvPr id="2" name="Title 1">
             <a:extLst>
               <a:ext uri="{FF2B5EF4-FFF2-40B4-BE49-F238E27FC236}">
-                <a16:creationId xmlns:a16="http://schemas.microsoft.com/office/drawing/2014/main" id="{DAD1EE84-DDBD-441A-B793-9A60003CB88C}"/>
+                <a16:creationId xmlns:a16="http://schemas.microsoft.com/office/drawing/2014/main" id="{0E1E34C4-C360-235F-4AE2-5048D4ECD002}"/>
               </a:ext>
             </a:extLst>
           </p:cNvPr>
@@ -7488,8 +7641,9 @@
           <a:p>
             <a:r>
               <a:rPr lang="en-US" dirty="0"/>
-              <a:t>Features</a:t>
-            </a:r>
+              <a:t>Tech stack</a:t>
+            </a:r>
+            <a:endParaRPr lang="en-IN" dirty="0"/>
           </a:p>
         </p:txBody>
       </p:sp>
@@ -7498,7 +7652,7 @@
           <p:cNvPr id="3" name="Content Placeholder 2">
             <a:extLst>
               <a:ext uri="{FF2B5EF4-FFF2-40B4-BE49-F238E27FC236}">
-                <a16:creationId xmlns:a16="http://schemas.microsoft.com/office/drawing/2014/main" id="{E650056A-E415-4BFC-927B-EFA44318A259}"/>
+                <a16:creationId xmlns:a16="http://schemas.microsoft.com/office/drawing/2014/main" id="{83ADB884-41A0-65C8-98D6-CD71594CF534}"/>
               </a:ext>
             </a:extLst>
           </p:cNvPr>
@@ -7514,158 +7668,50 @@
           <a:bodyPr/>
           <a:lstStyle/>
           <a:p>
-            <a:pPr marL="342900" marR="0" lvl="0" indent="-342900">
-              <a:lnSpc>
-                <a:spcPct val="150000"/>
-              </a:lnSpc>
-              <a:spcBef>
-                <a:spcPts val="0"/>
-              </a:spcBef>
-              <a:spcAft>
-                <a:spcPts val="0"/>
-              </a:spcAft>
-              <a:buFont typeface="Symbol" panose="05050102010706020507" pitchFamily="18" charset="2"/>
-              <a:buChar char=""/>
-            </a:pPr>
-            <a:r>
-              <a:rPr lang="en-US" sz="2000" dirty="0">
-                <a:effectLst/>
-                <a:latin typeface="+mj-lt"/>
-                <a:ea typeface="Calibri" panose="020F0502020204030204" pitchFamily="34" charset="0"/>
-                <a:cs typeface="Times New Roman" panose="02020603050405020304" pitchFamily="18" charset="0"/>
-              </a:rPr>
-              <a:t>Login</a:t>
-            </a:r>
-          </a:p>
-          <a:p>
-            <a:pPr marL="342900" marR="0" lvl="0" indent="-342900">
-              <a:lnSpc>
-                <a:spcPct val="150000"/>
-              </a:lnSpc>
-              <a:spcBef>
-                <a:spcPts val="0"/>
-              </a:spcBef>
-              <a:spcAft>
-                <a:spcPts val="0"/>
-              </a:spcAft>
-              <a:buFont typeface="Symbol" panose="05050102010706020507" pitchFamily="18" charset="2"/>
-              <a:buChar char=""/>
-            </a:pPr>
-            <a:r>
-              <a:rPr lang="en-US" sz="2000" dirty="0">
-                <a:effectLst/>
-                <a:latin typeface="+mj-lt"/>
-                <a:ea typeface="Calibri" panose="020F0502020204030204" pitchFamily="34" charset="0"/>
-                <a:cs typeface="Times New Roman" panose="02020603050405020304" pitchFamily="18" charset="0"/>
-              </a:rPr>
-              <a:t>Signup</a:t>
-            </a:r>
-          </a:p>
-          <a:p>
-            <a:pPr marL="342900" marR="0" lvl="0" indent="-342900">
-              <a:lnSpc>
-                <a:spcPct val="150000"/>
-              </a:lnSpc>
-              <a:spcBef>
-                <a:spcPts val="0"/>
-              </a:spcBef>
-              <a:spcAft>
-                <a:spcPts val="0"/>
-              </a:spcAft>
-              <a:buFont typeface="Symbol" panose="05050102010706020507" pitchFamily="18" charset="2"/>
-              <a:buChar char=""/>
-            </a:pPr>
-            <a:r>
-              <a:rPr lang="en-US" sz="2000" dirty="0">
-                <a:effectLst/>
-                <a:latin typeface="+mj-lt"/>
-                <a:ea typeface="Calibri" panose="020F0502020204030204" pitchFamily="34" charset="0"/>
-                <a:cs typeface="Times New Roman" panose="02020603050405020304" pitchFamily="18" charset="0"/>
-              </a:rPr>
-              <a:t>Raise Request</a:t>
-            </a:r>
-          </a:p>
-          <a:p>
-            <a:pPr marL="342900" marR="0" lvl="0" indent="-342900">
-              <a:lnSpc>
-                <a:spcPct val="150000"/>
-              </a:lnSpc>
-              <a:spcBef>
-                <a:spcPts val="0"/>
-              </a:spcBef>
-              <a:spcAft>
-                <a:spcPts val="0"/>
-              </a:spcAft>
-              <a:buFont typeface="Symbol" panose="05050102010706020507" pitchFamily="18" charset="2"/>
-              <a:buChar char=""/>
-            </a:pPr>
-            <a:r>
-              <a:rPr lang="en-US" sz="2000" dirty="0">
-                <a:effectLst/>
-                <a:latin typeface="+mj-lt"/>
-                <a:ea typeface="Calibri" panose="020F0502020204030204" pitchFamily="34" charset="0"/>
-                <a:cs typeface="Times New Roman" panose="02020603050405020304" pitchFamily="18" charset="0"/>
-              </a:rPr>
-              <a:t>Track Request</a:t>
-            </a:r>
-          </a:p>
-          <a:p>
-            <a:pPr marL="342900" marR="0" lvl="0" indent="-342900">
-              <a:lnSpc>
-                <a:spcPct val="150000"/>
-              </a:lnSpc>
-              <a:spcBef>
-                <a:spcPts val="0"/>
-              </a:spcBef>
-              <a:spcAft>
-                <a:spcPts val="0"/>
-              </a:spcAft>
-              <a:buFont typeface="Symbol" panose="05050102010706020507" pitchFamily="18" charset="2"/>
-              <a:buChar char=""/>
-            </a:pPr>
-            <a:r>
-              <a:rPr lang="en-US" sz="2000" dirty="0">
-                <a:effectLst/>
-                <a:latin typeface="+mj-lt"/>
-                <a:ea typeface="Calibri" panose="020F0502020204030204" pitchFamily="34" charset="0"/>
-                <a:cs typeface="Times New Roman" panose="02020603050405020304" pitchFamily="18" charset="0"/>
-              </a:rPr>
-              <a:t>Add Vehicles</a:t>
-            </a:r>
-          </a:p>
-          <a:p>
-            <a:pPr marL="342900" marR="0" lvl="0" indent="-342900">
-              <a:lnSpc>
-                <a:spcPct val="150000"/>
-              </a:lnSpc>
-              <a:spcBef>
-                <a:spcPts val="0"/>
-              </a:spcBef>
-              <a:spcAft>
-                <a:spcPts val="800"/>
-              </a:spcAft>
-              <a:buFont typeface="Symbol" panose="05050102010706020507" pitchFamily="18" charset="2"/>
-              <a:buChar char=""/>
-            </a:pPr>
-            <a:r>
-              <a:rPr lang="en-US" sz="2000" dirty="0">
-                <a:effectLst/>
-                <a:latin typeface="+mj-lt"/>
-                <a:ea typeface="Calibri" panose="020F0502020204030204" pitchFamily="34" charset="0"/>
-                <a:cs typeface="Times New Roman" panose="02020603050405020304" pitchFamily="18" charset="0"/>
-              </a:rPr>
-              <a:t>Image Upload</a:t>
-            </a:r>
-          </a:p>
-          <a:p>
-            <a:endParaRPr lang="en-US" dirty="0"/>
+            <a:r>
+              <a:rPr lang="en-US" sz="2400" dirty="0"/>
+              <a:t>HTML</a:t>
+            </a:r>
+          </a:p>
+          <a:p>
+            <a:r>
+              <a:rPr lang="en-US" sz="2400" dirty="0"/>
+              <a:t>CSS</a:t>
+            </a:r>
+          </a:p>
+          <a:p>
+            <a:r>
+              <a:rPr lang="en-US" sz="2400" dirty="0"/>
+              <a:t>JAVASCRIPT</a:t>
+            </a:r>
+          </a:p>
+          <a:p>
+            <a:r>
+              <a:rPr lang="en-US" sz="2400" dirty="0"/>
+              <a:t>NODE JS</a:t>
+            </a:r>
+          </a:p>
+          <a:p>
+            <a:r>
+              <a:rPr lang="en-US" sz="2400" dirty="0"/>
+              <a:t>REACT</a:t>
+            </a:r>
+          </a:p>
+          <a:p>
+            <a:r>
+              <a:rPr lang="en-US" sz="2400" dirty="0"/>
+              <a:t>FIREBASE (AUTH/STORAGE)</a:t>
+            </a:r>
+          </a:p>
+          <a:p>
+            <a:endParaRPr lang="en-IN" dirty="0"/>
           </a:p>
         </p:txBody>
       </p:sp>
     </p:spTree>
     <p:extLst>
       <p:ext uri="{BB962C8B-B14F-4D97-AF65-F5344CB8AC3E}">
-        <p14:creationId xmlns:p14="http://schemas.microsoft.com/office/powerpoint/2010/main" val="1796235737"/>
+        <p14:creationId xmlns:p14="http://schemas.microsoft.com/office/powerpoint/2010/main" val="291911208"/>
       </p:ext>
     </p:extLst>
   </p:cSld>
@@ -7697,7 +7743,7 @@
           <p:cNvPr id="2" name="Title 1">
             <a:extLst>
               <a:ext uri="{FF2B5EF4-FFF2-40B4-BE49-F238E27FC236}">
-                <a16:creationId xmlns:a16="http://schemas.microsoft.com/office/drawing/2014/main" id="{337C54C3-0A78-9AC3-A287-206BD6DE2ADA}"/>
+                <a16:creationId xmlns:a16="http://schemas.microsoft.com/office/drawing/2014/main" id="{DAD1EE84-DDBD-441A-B793-9A60003CB88C}"/>
               </a:ext>
             </a:extLst>
           </p:cNvPr>
@@ -7714,78 +7760,185 @@
           <a:lstStyle/>
           <a:p>
             <a:r>
-              <a:rPr lang="en-IN" dirty="0"/>
-              <a:t>Login &amp; Sign up screen</a:t>
-            </a:r>
-          </a:p>
-        </p:txBody>
-      </p:sp>
-      <p:pic>
-        <p:nvPicPr>
-          <p:cNvPr id="4" name="Content Placeholder 3" descr="Graphical user interface, application&#10;&#10;Description automatically generated">
+              <a:rPr lang="en-US" dirty="0"/>
+              <a:t>Features</a:t>
+            </a:r>
+          </a:p>
+        </p:txBody>
+      </p:sp>
+      <p:sp>
+        <p:nvSpPr>
+          <p:cNvPr id="3" name="Content Placeholder 2">
             <a:extLst>
               <a:ext uri="{FF2B5EF4-FFF2-40B4-BE49-F238E27FC236}">
-                <a16:creationId xmlns:a16="http://schemas.microsoft.com/office/drawing/2014/main" id="{1110B8ED-69B7-AE84-9654-AE4E52819F75}"/>
+                <a16:creationId xmlns:a16="http://schemas.microsoft.com/office/drawing/2014/main" id="{E650056A-E415-4BFC-927B-EFA44318A259}"/>
               </a:ext>
             </a:extLst>
           </p:cNvPr>
-          <p:cNvPicPr>
-            <a:picLocks noGrp="1" noChangeAspect="1"/>
-          </p:cNvPicPr>
+          <p:cNvSpPr>
+            <a:spLocks noGrp="1"/>
+          </p:cNvSpPr>
           <p:nvPr>
             <p:ph idx="1"/>
           </p:nvPr>
-        </p:nvPicPr>
-        <p:blipFill>
-          <a:blip r:embed="rId2"/>
-          <a:stretch>
-            <a:fillRect/>
-          </a:stretch>
-        </p:blipFill>
-        <p:spPr>
-          <a:xfrm>
-            <a:off x="1332531" y="2164428"/>
-            <a:ext cx="3647247" cy="4024313"/>
-          </a:xfrm>
-          <a:prstGeom prst="rect">
-            <a:avLst/>
-          </a:prstGeom>
-        </p:spPr>
-      </p:pic>
-      <p:pic>
-        <p:nvPicPr>
-          <p:cNvPr id="5" name="Picture 4" descr="Graphical user interface, application&#10;&#10;Description automatically generated">
-            <a:extLst>
-              <a:ext uri="{FF2B5EF4-FFF2-40B4-BE49-F238E27FC236}">
-                <a16:creationId xmlns:a16="http://schemas.microsoft.com/office/drawing/2014/main" id="{089A4F57-E2BD-3906-C646-D409800A9DC3}"/>
-              </a:ext>
-            </a:extLst>
-          </p:cNvPr>
-          <p:cNvPicPr>
-            <a:picLocks noChangeAspect="1"/>
-          </p:cNvPicPr>
-          <p:nvPr/>
-        </p:nvPicPr>
-        <p:blipFill>
-          <a:blip r:embed="rId3"/>
-          <a:stretch>
-            <a:fillRect/>
-          </a:stretch>
-        </p:blipFill>
-        <p:spPr>
-          <a:xfrm>
-            <a:off x="7212224" y="2276260"/>
-            <a:ext cx="3452628" cy="3912481"/>
-          </a:xfrm>
-          <a:prstGeom prst="rect">
-            <a:avLst/>
-          </a:prstGeom>
-        </p:spPr>
-      </p:pic>
+        </p:nvSpPr>
+        <p:spPr/>
+        <p:txBody>
+          <a:bodyPr/>
+          <a:lstStyle/>
+          <a:p>
+            <a:pPr marL="342900" marR="0" lvl="0" indent="-342900">
+              <a:lnSpc>
+                <a:spcPct val="150000"/>
+              </a:lnSpc>
+              <a:spcBef>
+                <a:spcPts val="0"/>
+              </a:spcBef>
+              <a:spcAft>
+                <a:spcPts val="0"/>
+              </a:spcAft>
+              <a:buFont typeface="Symbol" panose="05050102010706020507" pitchFamily="18" charset="2"/>
+              <a:buChar char=""/>
+            </a:pPr>
+            <a:r>
+              <a:rPr lang="en-US" sz="2000" dirty="0">
+                <a:effectLst/>
+                <a:latin typeface="+mj-lt"/>
+                <a:ea typeface="Calibri" panose="020F0502020204030204" pitchFamily="34" charset="0"/>
+                <a:cs typeface="Times New Roman" panose="02020603050405020304" pitchFamily="18" charset="0"/>
+              </a:rPr>
+              <a:t>Login</a:t>
+            </a:r>
+          </a:p>
+          <a:p>
+            <a:pPr marL="342900" marR="0" lvl="0" indent="-342900">
+              <a:lnSpc>
+                <a:spcPct val="150000"/>
+              </a:lnSpc>
+              <a:spcBef>
+                <a:spcPts val="0"/>
+              </a:spcBef>
+              <a:spcAft>
+                <a:spcPts val="0"/>
+              </a:spcAft>
+              <a:buFont typeface="Symbol" panose="05050102010706020507" pitchFamily="18" charset="2"/>
+              <a:buChar char=""/>
+            </a:pPr>
+            <a:r>
+              <a:rPr lang="en-US" sz="2000" dirty="0">
+                <a:effectLst/>
+                <a:latin typeface="+mj-lt"/>
+                <a:ea typeface="Calibri" panose="020F0502020204030204" pitchFamily="34" charset="0"/>
+                <a:cs typeface="Times New Roman" panose="02020603050405020304" pitchFamily="18" charset="0"/>
+              </a:rPr>
+              <a:t>Signup</a:t>
+            </a:r>
+          </a:p>
+          <a:p>
+            <a:pPr marL="342900" marR="0" lvl="0" indent="-342900">
+              <a:lnSpc>
+                <a:spcPct val="150000"/>
+              </a:lnSpc>
+              <a:spcBef>
+                <a:spcPts val="0"/>
+              </a:spcBef>
+              <a:spcAft>
+                <a:spcPts val="0"/>
+              </a:spcAft>
+              <a:buFont typeface="Symbol" panose="05050102010706020507" pitchFamily="18" charset="2"/>
+              <a:buChar char=""/>
+            </a:pPr>
+            <a:r>
+              <a:rPr lang="en-US" sz="2000" dirty="0">
+                <a:effectLst/>
+                <a:latin typeface="+mj-lt"/>
+                <a:ea typeface="Calibri" panose="020F0502020204030204" pitchFamily="34" charset="0"/>
+                <a:cs typeface="Times New Roman" panose="02020603050405020304" pitchFamily="18" charset="0"/>
+              </a:rPr>
+              <a:t>Raise Request</a:t>
+            </a:r>
+          </a:p>
+          <a:p>
+            <a:pPr marL="342900" marR="0" lvl="0" indent="-342900">
+              <a:lnSpc>
+                <a:spcPct val="150000"/>
+              </a:lnSpc>
+              <a:spcBef>
+                <a:spcPts val="0"/>
+              </a:spcBef>
+              <a:spcAft>
+                <a:spcPts val="0"/>
+              </a:spcAft>
+              <a:buFont typeface="Symbol" panose="05050102010706020507" pitchFamily="18" charset="2"/>
+              <a:buChar char=""/>
+            </a:pPr>
+            <a:r>
+              <a:rPr lang="en-US" sz="2000" dirty="0">
+                <a:effectLst/>
+                <a:latin typeface="+mj-lt"/>
+                <a:ea typeface="Calibri" panose="020F0502020204030204" pitchFamily="34" charset="0"/>
+                <a:cs typeface="Times New Roman" panose="02020603050405020304" pitchFamily="18" charset="0"/>
+              </a:rPr>
+              <a:t>Track Request</a:t>
+            </a:r>
+          </a:p>
+          <a:p>
+            <a:pPr marL="342900" marR="0" lvl="0" indent="-342900">
+              <a:lnSpc>
+                <a:spcPct val="150000"/>
+              </a:lnSpc>
+              <a:spcBef>
+                <a:spcPts val="0"/>
+              </a:spcBef>
+              <a:spcAft>
+                <a:spcPts val="0"/>
+              </a:spcAft>
+              <a:buFont typeface="Symbol" panose="05050102010706020507" pitchFamily="18" charset="2"/>
+              <a:buChar char=""/>
+            </a:pPr>
+            <a:r>
+              <a:rPr lang="en-US" sz="2000" dirty="0">
+                <a:effectLst/>
+                <a:latin typeface="+mj-lt"/>
+                <a:ea typeface="Calibri" panose="020F0502020204030204" pitchFamily="34" charset="0"/>
+                <a:cs typeface="Times New Roman" panose="02020603050405020304" pitchFamily="18" charset="0"/>
+              </a:rPr>
+              <a:t>Add Vehicles</a:t>
+            </a:r>
+          </a:p>
+          <a:p>
+            <a:pPr marL="342900" marR="0" lvl="0" indent="-342900">
+              <a:lnSpc>
+                <a:spcPct val="150000"/>
+              </a:lnSpc>
+              <a:spcBef>
+                <a:spcPts val="0"/>
+              </a:spcBef>
+              <a:spcAft>
+                <a:spcPts val="800"/>
+              </a:spcAft>
+              <a:buFont typeface="Symbol" panose="05050102010706020507" pitchFamily="18" charset="2"/>
+              <a:buChar char=""/>
+            </a:pPr>
+            <a:r>
+              <a:rPr lang="en-US" sz="2000" dirty="0">
+                <a:effectLst/>
+                <a:latin typeface="+mj-lt"/>
+                <a:ea typeface="Calibri" panose="020F0502020204030204" pitchFamily="34" charset="0"/>
+                <a:cs typeface="Times New Roman" panose="02020603050405020304" pitchFamily="18" charset="0"/>
+              </a:rPr>
+              <a:t>Image Upload</a:t>
+            </a:r>
+          </a:p>
+          <a:p>
+            <a:endParaRPr lang="en-US" dirty="0"/>
+          </a:p>
+        </p:txBody>
+      </p:sp>
     </p:spTree>
     <p:extLst>
       <p:ext uri="{BB962C8B-B14F-4D97-AF65-F5344CB8AC3E}">
-        <p14:creationId xmlns:p14="http://schemas.microsoft.com/office/powerpoint/2010/main" val="3237334609"/>
+        <p14:creationId xmlns:p14="http://schemas.microsoft.com/office/powerpoint/2010/main" val="1796235737"/>
       </p:ext>
     </p:extLst>
   </p:cSld>
@@ -7817,7 +7970,7 @@
           <p:cNvPr id="2" name="Title 1">
             <a:extLst>
               <a:ext uri="{FF2B5EF4-FFF2-40B4-BE49-F238E27FC236}">
-                <a16:creationId xmlns:a16="http://schemas.microsoft.com/office/drawing/2014/main" id="{57499376-AC39-08E3-1826-F04B37AA5D38}"/>
+                <a16:creationId xmlns:a16="http://schemas.microsoft.com/office/drawing/2014/main" id="{337C54C3-0A78-9AC3-A287-206BD6DE2ADA}"/>
               </a:ext>
             </a:extLst>
           </p:cNvPr>
@@ -7835,7 +7988,7 @@
           <a:p>
             <a:r>
               <a:rPr lang="en-IN" dirty="0"/>
-              <a:t>Working screens</a:t>
+              <a:t>Login &amp; Sign up screen</a:t>
             </a:r>
           </a:p>
         </p:txBody>
@@ -7845,7 +7998,7 @@
           <p:cNvPr id="4" name="Content Placeholder 3" descr="Graphical user interface, application&#10;&#10;Description automatically generated">
             <a:extLst>
               <a:ext uri="{FF2B5EF4-FFF2-40B4-BE49-F238E27FC236}">
-                <a16:creationId xmlns:a16="http://schemas.microsoft.com/office/drawing/2014/main" id="{9F85B90B-7285-7C56-AC09-5E2128D5AB07}"/>
+                <a16:creationId xmlns:a16="http://schemas.microsoft.com/office/drawing/2014/main" id="{1110B8ED-69B7-AE84-9654-AE4E52819F75}"/>
               </a:ext>
             </a:extLst>
           </p:cNvPr>
@@ -7864,8 +8017,8 @@
         </p:blipFill>
         <p:spPr>
           <a:xfrm>
-            <a:off x="952331" y="2226975"/>
-            <a:ext cx="3886537" cy="2758679"/>
+            <a:off x="1332531" y="2164428"/>
+            <a:ext cx="3647247" cy="4024313"/>
           </a:xfrm>
           <a:prstGeom prst="rect">
             <a:avLst/>
@@ -7874,10 +8027,10 @@
       </p:pic>
       <p:pic>
         <p:nvPicPr>
-          <p:cNvPr id="5" name="Picture 4" descr="A screenshot of a computer&#10;&#10;Description automatically generated">
+          <p:cNvPr id="5" name="Picture 4" descr="Graphical user interface, application&#10;&#10;Description automatically generated">
             <a:extLst>
               <a:ext uri="{FF2B5EF4-FFF2-40B4-BE49-F238E27FC236}">
-                <a16:creationId xmlns:a16="http://schemas.microsoft.com/office/drawing/2014/main" id="{8AF6EE6D-0077-88E7-5C98-8F2C8839C6FC}"/>
+                <a16:creationId xmlns:a16="http://schemas.microsoft.com/office/drawing/2014/main" id="{089A4F57-E2BD-3906-C646-D409800A9DC3}"/>
               </a:ext>
             </a:extLst>
           </p:cNvPr>
@@ -7894,8 +8047,8 @@
         </p:blipFill>
         <p:spPr>
           <a:xfrm>
-            <a:off x="5719917" y="2226974"/>
-            <a:ext cx="6285598" cy="2758679"/>
+            <a:off x="7212224" y="2276260"/>
+            <a:ext cx="3452628" cy="3912481"/>
           </a:xfrm>
           <a:prstGeom prst="rect">
             <a:avLst/>
@@ -7905,7 +8058,7 @@
     </p:spTree>
     <p:extLst>
       <p:ext uri="{BB962C8B-B14F-4D97-AF65-F5344CB8AC3E}">
-        <p14:creationId xmlns:p14="http://schemas.microsoft.com/office/powerpoint/2010/main" val="76732467"/>
+        <p14:creationId xmlns:p14="http://schemas.microsoft.com/office/powerpoint/2010/main" val="3237334609"/>
       </p:ext>
     </p:extLst>
   </p:cSld>
@@ -7937,6 +8090,126 @@
           <p:cNvPr id="2" name="Title 1">
             <a:extLst>
               <a:ext uri="{FF2B5EF4-FFF2-40B4-BE49-F238E27FC236}">
+                <a16:creationId xmlns:a16="http://schemas.microsoft.com/office/drawing/2014/main" id="{57499376-AC39-08E3-1826-F04B37AA5D38}"/>
+              </a:ext>
+            </a:extLst>
+          </p:cNvPr>
+          <p:cNvSpPr>
+            <a:spLocks noGrp="1"/>
+          </p:cNvSpPr>
+          <p:nvPr>
+            <p:ph type="title"/>
+          </p:nvPr>
+        </p:nvSpPr>
+        <p:spPr/>
+        <p:txBody>
+          <a:bodyPr/>
+          <a:lstStyle/>
+          <a:p>
+            <a:r>
+              <a:rPr lang="en-IN" dirty="0"/>
+              <a:t>Working screens</a:t>
+            </a:r>
+          </a:p>
+        </p:txBody>
+      </p:sp>
+      <p:pic>
+        <p:nvPicPr>
+          <p:cNvPr id="4" name="Content Placeholder 3" descr="Graphical user interface, application&#10;&#10;Description automatically generated">
+            <a:extLst>
+              <a:ext uri="{FF2B5EF4-FFF2-40B4-BE49-F238E27FC236}">
+                <a16:creationId xmlns:a16="http://schemas.microsoft.com/office/drawing/2014/main" id="{9F85B90B-7285-7C56-AC09-5E2128D5AB07}"/>
+              </a:ext>
+            </a:extLst>
+          </p:cNvPr>
+          <p:cNvPicPr>
+            <a:picLocks noGrp="1" noChangeAspect="1"/>
+          </p:cNvPicPr>
+          <p:nvPr>
+            <p:ph idx="1"/>
+          </p:nvPr>
+        </p:nvPicPr>
+        <p:blipFill>
+          <a:blip r:embed="rId2"/>
+          <a:stretch>
+            <a:fillRect/>
+          </a:stretch>
+        </p:blipFill>
+        <p:spPr>
+          <a:xfrm>
+            <a:off x="952331" y="2226975"/>
+            <a:ext cx="3886537" cy="2758679"/>
+          </a:xfrm>
+          <a:prstGeom prst="rect">
+            <a:avLst/>
+          </a:prstGeom>
+        </p:spPr>
+      </p:pic>
+      <p:pic>
+        <p:nvPicPr>
+          <p:cNvPr id="5" name="Picture 4" descr="A screenshot of a computer&#10;&#10;Description automatically generated">
+            <a:extLst>
+              <a:ext uri="{FF2B5EF4-FFF2-40B4-BE49-F238E27FC236}">
+                <a16:creationId xmlns:a16="http://schemas.microsoft.com/office/drawing/2014/main" id="{8AF6EE6D-0077-88E7-5C98-8F2C8839C6FC}"/>
+              </a:ext>
+            </a:extLst>
+          </p:cNvPr>
+          <p:cNvPicPr>
+            <a:picLocks noChangeAspect="1"/>
+          </p:cNvPicPr>
+          <p:nvPr/>
+        </p:nvPicPr>
+        <p:blipFill>
+          <a:blip r:embed="rId3"/>
+          <a:stretch>
+            <a:fillRect/>
+          </a:stretch>
+        </p:blipFill>
+        <p:spPr>
+          <a:xfrm>
+            <a:off x="5719917" y="2226974"/>
+            <a:ext cx="6285598" cy="2758679"/>
+          </a:xfrm>
+          <a:prstGeom prst="rect">
+            <a:avLst/>
+          </a:prstGeom>
+        </p:spPr>
+      </p:pic>
+    </p:spTree>
+    <p:extLst>
+      <p:ext uri="{BB962C8B-B14F-4D97-AF65-F5344CB8AC3E}">
+        <p14:creationId xmlns:p14="http://schemas.microsoft.com/office/powerpoint/2010/main" val="76732467"/>
+      </p:ext>
+    </p:extLst>
+  </p:cSld>
+  <p:clrMapOvr>
+    <a:masterClrMapping/>
+  </p:clrMapOvr>
+</p:sld>
+</file>
+
+<file path=ppt/slides/slide8.xml><?xml version="1.0" encoding="utf-8"?>
+<p:sld xmlns:a="http://schemas.openxmlformats.org/drawingml/2006/main" xmlns:r="http://schemas.openxmlformats.org/officeDocument/2006/relationships" xmlns:p="http://schemas.openxmlformats.org/presentationml/2006/main">
+  <p:cSld>
+    <p:spTree>
+      <p:nvGrpSpPr>
+        <p:cNvPr id="1" name=""/>
+        <p:cNvGrpSpPr/>
+        <p:nvPr/>
+      </p:nvGrpSpPr>
+      <p:grpSpPr>
+        <a:xfrm>
+          <a:off x="0" y="0"/>
+          <a:ext cx="0" cy="0"/>
+          <a:chOff x="0" y="0"/>
+          <a:chExt cx="0" cy="0"/>
+        </a:xfrm>
+      </p:grpSpPr>
+      <p:sp>
+        <p:nvSpPr>
+          <p:cNvPr id="2" name="Title 1">
+            <a:extLst>
+              <a:ext uri="{FF2B5EF4-FFF2-40B4-BE49-F238E27FC236}">
                 <a16:creationId xmlns:a16="http://schemas.microsoft.com/office/drawing/2014/main" id="{EE66CC78-AEB9-DF90-7AF3-A53EC45CC645}"/>
               </a:ext>
             </a:extLst>
@@ -8035,7 +8308,7 @@
 </p:sld>
 </file>
 
-<file path=ppt/slides/slide8.xml><?xml version="1.0" encoding="utf-8"?>
+<file path=ppt/slides/slide9.xml><?xml version="1.0" encoding="utf-8"?>
 <p:sld xmlns:a="http://schemas.openxmlformats.org/drawingml/2006/main" xmlns:r="http://schemas.openxmlformats.org/officeDocument/2006/relationships" xmlns:p="http://schemas.openxmlformats.org/presentationml/2006/main">
   <p:cSld>
     <p:spTree>
@@ -8115,158 +8388,6 @@
     <p:extLst>
       <p:ext uri="{BB962C8B-B14F-4D97-AF65-F5344CB8AC3E}">
         <p14:creationId xmlns:p14="http://schemas.microsoft.com/office/powerpoint/2010/main" val="3778883071"/>
-      </p:ext>
-    </p:extLst>
-  </p:cSld>
-  <p:clrMapOvr>
-    <a:masterClrMapping/>
-  </p:clrMapOvr>
-</p:sld>
-</file>
-
-<file path=ppt/slides/slide9.xml><?xml version="1.0" encoding="utf-8"?>
-<p:sld xmlns:a="http://schemas.openxmlformats.org/drawingml/2006/main" xmlns:r="http://schemas.openxmlformats.org/officeDocument/2006/relationships" xmlns:p="http://schemas.openxmlformats.org/presentationml/2006/main">
-  <p:cSld>
-    <p:spTree>
-      <p:nvGrpSpPr>
-        <p:cNvPr id="1" name=""/>
-        <p:cNvGrpSpPr/>
-        <p:nvPr/>
-      </p:nvGrpSpPr>
-      <p:grpSpPr>
-        <a:xfrm>
-          <a:off x="0" y="0"/>
-          <a:ext cx="0" cy="0"/>
-          <a:chOff x="0" y="0"/>
-          <a:chExt cx="0" cy="0"/>
-        </a:xfrm>
-      </p:grpSpPr>
-      <p:sp>
-        <p:nvSpPr>
-          <p:cNvPr id="2" name="Title 1">
-            <a:extLst>
-              <a:ext uri="{FF2B5EF4-FFF2-40B4-BE49-F238E27FC236}">
-                <a16:creationId xmlns:a16="http://schemas.microsoft.com/office/drawing/2014/main" id="{DAD1EE84-DDBD-441A-B793-9A60003CB88C}"/>
-              </a:ext>
-            </a:extLst>
-          </p:cNvPr>
-          <p:cNvSpPr>
-            <a:spLocks noGrp="1"/>
-          </p:cNvSpPr>
-          <p:nvPr>
-            <p:ph type="title"/>
-          </p:nvPr>
-        </p:nvSpPr>
-        <p:spPr>
-          <a:xfrm>
-            <a:off x="2895600" y="764373"/>
-            <a:ext cx="8610600" cy="1091275"/>
-          </a:xfrm>
-        </p:spPr>
-        <p:txBody>
-          <a:bodyPr/>
-          <a:lstStyle/>
-          <a:p>
-            <a:r>
-              <a:rPr lang="en-US"/>
-              <a:t>AUTHENTICATION</a:t>
-            </a:r>
-            <a:endParaRPr lang="en-US" dirty="0"/>
-          </a:p>
-        </p:txBody>
-      </p:sp>
-      <p:sp>
-        <p:nvSpPr>
-          <p:cNvPr id="3" name="Content Placeholder 2">
-            <a:extLst>
-              <a:ext uri="{FF2B5EF4-FFF2-40B4-BE49-F238E27FC236}">
-                <a16:creationId xmlns:a16="http://schemas.microsoft.com/office/drawing/2014/main" id="{E650056A-E415-4BFC-927B-EFA44318A259}"/>
-              </a:ext>
-            </a:extLst>
-          </p:cNvPr>
-          <p:cNvSpPr>
-            <a:spLocks noGrp="1"/>
-          </p:cNvSpPr>
-          <p:nvPr>
-            <p:ph idx="1"/>
-          </p:nvPr>
-        </p:nvSpPr>
-        <p:spPr>
-          <a:xfrm>
-            <a:off x="685800" y="2194560"/>
-            <a:ext cx="5139532" cy="4024125"/>
-          </a:xfrm>
-        </p:spPr>
-        <p:txBody>
-          <a:bodyPr/>
-          <a:lstStyle/>
-          <a:p>
-            <a:pPr marL="342900" marR="0" lvl="0" indent="-342900">
-              <a:lnSpc>
-                <a:spcPct val="150000"/>
-              </a:lnSpc>
-              <a:spcBef>
-                <a:spcPts val="0"/>
-              </a:spcBef>
-              <a:spcAft>
-                <a:spcPts val="0"/>
-              </a:spcAft>
-              <a:buFont typeface="Symbol" panose="05050102010706020507" pitchFamily="18" charset="2"/>
-              <a:buChar char=""/>
-            </a:pPr>
-            <a:r>
-              <a:rPr lang="en-US" sz="2000">
-                <a:effectLst/>
-                <a:latin typeface="+mj-lt"/>
-                <a:ea typeface="Calibri" panose="020F0502020204030204" pitchFamily="34" charset="0"/>
-                <a:cs typeface="Times New Roman" panose="02020603050405020304" pitchFamily="18" charset="0"/>
-              </a:rPr>
-              <a:t>Authentication to the system happens in Firebase.</a:t>
-            </a:r>
-          </a:p>
-          <a:p>
-            <a:r>
-              <a:rPr lang="en-US"/>
-              <a:t>We use the following API Key, storage, DB </a:t>
-            </a:r>
-            <a:endParaRPr lang="en-US" dirty="0"/>
-          </a:p>
-        </p:txBody>
-      </p:sp>
-      <p:pic>
-        <p:nvPicPr>
-          <p:cNvPr id="7" name="Picture 6">
-            <a:extLst>
-              <a:ext uri="{FF2B5EF4-FFF2-40B4-BE49-F238E27FC236}">
-                <a16:creationId xmlns:a16="http://schemas.microsoft.com/office/drawing/2014/main" id="{495D0071-0D1C-416B-9CE4-8E08986E691A}"/>
-              </a:ext>
-            </a:extLst>
-          </p:cNvPr>
-          <p:cNvPicPr>
-            <a:picLocks noChangeAspect="1"/>
-          </p:cNvPicPr>
-          <p:nvPr/>
-        </p:nvPicPr>
-        <p:blipFill>
-          <a:blip r:embed="rId2"/>
-          <a:stretch>
-            <a:fillRect/>
-          </a:stretch>
-        </p:blipFill>
-        <p:spPr>
-          <a:xfrm>
-            <a:off x="6526943" y="2004460"/>
-            <a:ext cx="4663844" cy="4435669"/>
-          </a:xfrm>
-          <a:prstGeom prst="rect">
-            <a:avLst/>
-          </a:prstGeom>
-        </p:spPr>
-      </p:pic>
-    </p:spTree>
-    <p:extLst>
-      <p:ext uri="{BB962C8B-B14F-4D97-AF65-F5344CB8AC3E}">
-        <p14:creationId xmlns:p14="http://schemas.microsoft.com/office/powerpoint/2010/main" val="3425387812"/>
       </p:ext>
     </p:extLst>
   </p:cSld>

--- a/PPT/MechOnSpot.pptx
+++ b/PPT/MechOnSpot.pptx
@@ -11,15 +11,16 @@
     <p:sldId id="271" r:id="rId5"/>
     <p:sldId id="259" r:id="rId6"/>
     <p:sldId id="267" r:id="rId7"/>
-    <p:sldId id="268" r:id="rId8"/>
-    <p:sldId id="269" r:id="rId9"/>
-    <p:sldId id="270" r:id="rId10"/>
-    <p:sldId id="264" r:id="rId11"/>
-    <p:sldId id="265" r:id="rId12"/>
-    <p:sldId id="266" r:id="rId13"/>
-    <p:sldId id="262" r:id="rId14"/>
-    <p:sldId id="257" r:id="rId15"/>
-    <p:sldId id="261" r:id="rId16"/>
+    <p:sldId id="272" r:id="rId8"/>
+    <p:sldId id="268" r:id="rId9"/>
+    <p:sldId id="269" r:id="rId10"/>
+    <p:sldId id="270" r:id="rId11"/>
+    <p:sldId id="264" r:id="rId12"/>
+    <p:sldId id="265" r:id="rId13"/>
+    <p:sldId id="266" r:id="rId14"/>
+    <p:sldId id="262" r:id="rId15"/>
+    <p:sldId id="257" r:id="rId16"/>
+    <p:sldId id="261" r:id="rId17"/>
   </p:sldIdLst>
   <p:sldSz cx="12192000" cy="6858000"/>
   <p:notesSz cx="6858000" cy="9144000"/>
@@ -6345,104 +6346,41 @@
           <a:chExt cx="0" cy="0"/>
         </a:xfrm>
       </p:grpSpPr>
-      <p:sp>
-        <p:nvSpPr>
-          <p:cNvPr id="2" name="Title 1">
+      <p:pic>
+        <p:nvPicPr>
+          <p:cNvPr id="5" name="Content Placeholder 4">
             <a:extLst>
               <a:ext uri="{FF2B5EF4-FFF2-40B4-BE49-F238E27FC236}">
-                <a16:creationId xmlns:a16="http://schemas.microsoft.com/office/drawing/2014/main" id="{DAD1EE84-DDBD-441A-B793-9A60003CB88C}"/>
+                <a16:creationId xmlns:a16="http://schemas.microsoft.com/office/drawing/2014/main" id="{A1582DCC-8DDE-B761-6C45-8E473261E774}"/>
               </a:ext>
             </a:extLst>
           </p:cNvPr>
-          <p:cNvSpPr>
-            <a:spLocks noGrp="1"/>
-          </p:cNvSpPr>
-          <p:nvPr>
-            <p:ph type="title"/>
-          </p:nvPr>
-        </p:nvSpPr>
-        <p:spPr>
-          <a:xfrm>
-            <a:off x="2895600" y="764373"/>
-            <a:ext cx="8610600" cy="1091275"/>
-          </a:xfrm>
-        </p:spPr>
-        <p:txBody>
-          <a:bodyPr/>
-          <a:lstStyle/>
-          <a:p>
-            <a:r>
-              <a:rPr lang="en-US"/>
-              <a:t>AUTHENTICATION</a:t>
-            </a:r>
-            <a:endParaRPr lang="en-US" dirty="0"/>
-          </a:p>
-        </p:txBody>
-      </p:sp>
-      <p:sp>
-        <p:nvSpPr>
-          <p:cNvPr id="3" name="Content Placeholder 2">
-            <a:extLst>
-              <a:ext uri="{FF2B5EF4-FFF2-40B4-BE49-F238E27FC236}">
-                <a16:creationId xmlns:a16="http://schemas.microsoft.com/office/drawing/2014/main" id="{E650056A-E415-4BFC-927B-EFA44318A259}"/>
-              </a:ext>
-            </a:extLst>
-          </p:cNvPr>
-          <p:cNvSpPr>
-            <a:spLocks noGrp="1"/>
-          </p:cNvSpPr>
+          <p:cNvPicPr>
+            <a:picLocks noGrp="1" noChangeAspect="1"/>
+          </p:cNvPicPr>
           <p:nvPr>
             <p:ph idx="1"/>
           </p:nvPr>
-        </p:nvSpPr>
-        <p:spPr>
-          <a:xfrm>
-            <a:off x="685800" y="2194560"/>
-            <a:ext cx="5139532" cy="4024125"/>
-          </a:xfrm>
-        </p:spPr>
-        <p:txBody>
-          <a:bodyPr/>
-          <a:lstStyle/>
-          <a:p>
-            <a:pPr marL="342900" marR="0" lvl="0" indent="-342900">
-              <a:lnSpc>
-                <a:spcPct val="150000"/>
-              </a:lnSpc>
-              <a:spcBef>
-                <a:spcPts val="0"/>
-              </a:spcBef>
-              <a:spcAft>
-                <a:spcPts val="0"/>
-              </a:spcAft>
-              <a:buFont typeface="Symbol" panose="05050102010706020507" pitchFamily="18" charset="2"/>
-              <a:buChar char=""/>
-            </a:pPr>
-            <a:r>
-              <a:rPr lang="en-US" sz="2000">
-                <a:effectLst/>
-                <a:latin typeface="+mj-lt"/>
-                <a:ea typeface="Calibri" panose="020F0502020204030204" pitchFamily="34" charset="0"/>
-                <a:cs typeface="Times New Roman" panose="02020603050405020304" pitchFamily="18" charset="0"/>
-              </a:rPr>
-              <a:t>Authentication to the system happens in Firebase.</a:t>
-            </a:r>
-          </a:p>
-          <a:p>
-            <a:r>
-              <a:rPr lang="en-US"/>
-              <a:t>We use the following API Key, storage, DB </a:t>
-            </a:r>
-            <a:endParaRPr lang="en-US" dirty="0"/>
-          </a:p>
-        </p:txBody>
-      </p:sp>
+        </p:nvPicPr>
+        <p:blipFill>
+          <a:blip r:embed="rId2"/>
+          <a:stretch>
+            <a:fillRect/>
+          </a:stretch>
+        </p:blipFill>
+        <p:spPr>
+          <a:xfrm>
+            <a:off x="2580129" y="640504"/>
+            <a:ext cx="7405367" cy="2562466"/>
+          </a:xfrm>
+        </p:spPr>
+      </p:pic>
       <p:pic>
         <p:nvPicPr>
           <p:cNvPr id="7" name="Picture 6">
             <a:extLst>
               <a:ext uri="{FF2B5EF4-FFF2-40B4-BE49-F238E27FC236}">
-                <a16:creationId xmlns:a16="http://schemas.microsoft.com/office/drawing/2014/main" id="{495D0071-0D1C-416B-9CE4-8E08986E691A}"/>
+                <a16:creationId xmlns:a16="http://schemas.microsoft.com/office/drawing/2014/main" id="{D76D383C-9E3C-23E9-1D86-6258C395E5B7}"/>
               </a:ext>
             </a:extLst>
           </p:cNvPr>
@@ -6452,15 +6390,15 @@
           <p:nvPr/>
         </p:nvPicPr>
         <p:blipFill>
-          <a:blip r:embed="rId2"/>
+          <a:blip r:embed="rId3"/>
           <a:stretch>
             <a:fillRect/>
           </a:stretch>
         </p:blipFill>
         <p:spPr>
           <a:xfrm>
-            <a:off x="6526943" y="2004460"/>
-            <a:ext cx="4663844" cy="4435669"/>
+            <a:off x="3077497" y="3429000"/>
+            <a:ext cx="6410632" cy="3326890"/>
           </a:xfrm>
           <a:prstGeom prst="rect">
             <a:avLst/>
@@ -6470,7 +6408,7 @@
     </p:spTree>
     <p:extLst>
       <p:ext uri="{BB962C8B-B14F-4D97-AF65-F5344CB8AC3E}">
-        <p14:creationId xmlns:p14="http://schemas.microsoft.com/office/powerpoint/2010/main" val="3425387812"/>
+        <p14:creationId xmlns:p14="http://schemas.microsoft.com/office/powerpoint/2010/main" val="3778883071"/>
       </p:ext>
     </p:extLst>
   </p:cSld>
@@ -6524,9 +6462,10 @@
           <a:lstStyle/>
           <a:p>
             <a:r>
-              <a:rPr lang="en-US" dirty="0"/>
-              <a:t>ROUTING</a:t>
-            </a:r>
+              <a:rPr lang="en-US"/>
+              <a:t>AUTHENTICATION</a:t>
+            </a:r>
+            <a:endParaRPr lang="en-US" dirty="0"/>
           </a:p>
         </p:txBody>
       </p:sp>
@@ -6548,14 +6487,12 @@
         </p:nvSpPr>
         <p:spPr>
           <a:xfrm>
-            <a:off x="685800" y="1976284"/>
-            <a:ext cx="5139532" cy="4242401"/>
-          </a:xfrm>
-        </p:spPr>
-        <p:txBody>
-          <a:bodyPr>
-            <a:normAutofit lnSpcReduction="10000"/>
-          </a:bodyPr>
+            <a:off x="685800" y="2194560"/>
+            <a:ext cx="5139532" cy="4024125"/>
+          </a:xfrm>
+        </p:spPr>
+        <p:txBody>
+          <a:bodyPr/>
           <a:lstStyle/>
           <a:p>
             <a:pPr marL="342900" marR="0" lvl="0" indent="-342900">
@@ -6572,75 +6509,30 @@
               <a:buChar char=""/>
             </a:pPr>
             <a:r>
-              <a:rPr lang="en-US" sz="2000" dirty="0">
+              <a:rPr lang="en-US" sz="2000">
                 <a:effectLst/>
                 <a:latin typeface="+mj-lt"/>
                 <a:ea typeface="Calibri" panose="020F0502020204030204" pitchFamily="34" charset="0"/>
                 <a:cs typeface="Times New Roman" panose="02020603050405020304" pitchFamily="18" charset="0"/>
               </a:rPr>
-              <a:t>Routing occurs in App.js</a:t>
-            </a:r>
-          </a:p>
-          <a:p>
-            <a:r>
-              <a:rPr lang="en-US" dirty="0"/>
-              <a:t>We give </a:t>
-            </a:r>
-            <a:r>
-              <a:rPr lang="en-US" dirty="0" err="1"/>
-              <a:t>AuthProvider</a:t>
-            </a:r>
-            <a:r>
-              <a:rPr lang="en-US" dirty="0"/>
-              <a:t> -What’s an </a:t>
-            </a:r>
-            <a:r>
-              <a:rPr lang="en-US" dirty="0" err="1"/>
-              <a:t>authProvider</a:t>
-            </a:r>
-            <a:r>
-              <a:rPr lang="en-US" dirty="0"/>
-              <a:t>? Just like a </a:t>
-            </a:r>
-            <a:r>
-              <a:rPr lang="en-US" dirty="0" err="1"/>
-              <a:t>dataProvider</a:t>
-            </a:r>
-            <a:r>
-              <a:rPr lang="en-US" dirty="0"/>
-              <a:t>, an </a:t>
-            </a:r>
-            <a:r>
-              <a:rPr lang="en-US" dirty="0" err="1"/>
-              <a:t>authProvider</a:t>
-            </a:r>
-            <a:r>
-              <a:rPr lang="en-US" dirty="0"/>
-              <a:t> is an object that handles authentication and authorization logic. </a:t>
-            </a:r>
-          </a:p>
-          <a:p>
-            <a:r>
-              <a:rPr lang="en-US" dirty="0"/>
-              <a:t>It exposes methods that react-admin calls when needed, and that you can call manually through specialized hooks. The </a:t>
-            </a:r>
-            <a:r>
-              <a:rPr lang="en-US" dirty="0" err="1"/>
-              <a:t>authProvider</a:t>
-            </a:r>
-            <a:r>
-              <a:rPr lang="en-US" dirty="0"/>
-              <a:t> methods must return a Promise.</a:t>
-            </a:r>
+              <a:t>Authentication to the system happens in Firebase.</a:t>
+            </a:r>
+          </a:p>
+          <a:p>
+            <a:r>
+              <a:rPr lang="en-US"/>
+              <a:t>We use the following API Key, storage, DB </a:t>
+            </a:r>
+            <a:endParaRPr lang="en-US" dirty="0"/>
           </a:p>
         </p:txBody>
       </p:sp>
       <p:pic>
         <p:nvPicPr>
-          <p:cNvPr id="8" name="Picture 7">
+          <p:cNvPr id="7" name="Picture 6">
             <a:extLst>
               <a:ext uri="{FF2B5EF4-FFF2-40B4-BE49-F238E27FC236}">
-                <a16:creationId xmlns:a16="http://schemas.microsoft.com/office/drawing/2014/main" id="{876E5289-D391-4B4C-BC0E-166ABCF6E804}"/>
+                <a16:creationId xmlns:a16="http://schemas.microsoft.com/office/drawing/2014/main" id="{495D0071-0D1C-416B-9CE4-8E08986E691A}"/>
               </a:ext>
             </a:extLst>
           </p:cNvPr>
@@ -6657,8 +6549,8 @@
         </p:blipFill>
         <p:spPr>
           <a:xfrm>
-            <a:off x="6096000" y="2076040"/>
-            <a:ext cx="4892464" cy="4024124"/>
+            <a:off x="6526943" y="2004460"/>
+            <a:ext cx="4663844" cy="4435669"/>
           </a:xfrm>
           <a:prstGeom prst="rect">
             <a:avLst/>
@@ -6668,7 +6560,7 @@
     </p:spTree>
     <p:extLst>
       <p:ext uri="{BB962C8B-B14F-4D97-AF65-F5344CB8AC3E}">
-        <p14:creationId xmlns:p14="http://schemas.microsoft.com/office/powerpoint/2010/main" val="2529436026"/>
+        <p14:creationId xmlns:p14="http://schemas.microsoft.com/office/powerpoint/2010/main" val="3425387812"/>
       </p:ext>
     </p:extLst>
   </p:cSld>
@@ -6723,7 +6615,7 @@
           <a:p>
             <a:r>
               <a:rPr lang="en-US" dirty="0"/>
-              <a:t>STYLING</a:t>
+              <a:t>ROUTING</a:t>
             </a:r>
           </a:p>
         </p:txBody>
@@ -6752,7 +6644,7 @@
         </p:spPr>
         <p:txBody>
           <a:bodyPr>
-            <a:normAutofit/>
+            <a:normAutofit lnSpcReduction="10000"/>
           </a:bodyPr>
           <a:lstStyle/>
           <a:p>
@@ -6776,18 +6668,69 @@
                 <a:ea typeface="Calibri" panose="020F0502020204030204" pitchFamily="34" charset="0"/>
                 <a:cs typeface="Times New Roman" panose="02020603050405020304" pitchFamily="18" charset="0"/>
               </a:rPr>
-              <a:t>All the styles are given externally in App.css file.</a:t>
-            </a:r>
-            <a:endParaRPr lang="en-US" dirty="0"/>
+              <a:t>Routing occurs in App.js</a:t>
+            </a:r>
+          </a:p>
+          <a:p>
+            <a:r>
+              <a:rPr lang="en-US" dirty="0"/>
+              <a:t>We give </a:t>
+            </a:r>
+            <a:r>
+              <a:rPr lang="en-US" dirty="0" err="1"/>
+              <a:t>AuthProvider</a:t>
+            </a:r>
+            <a:r>
+              <a:rPr lang="en-US" dirty="0"/>
+              <a:t> -What’s an </a:t>
+            </a:r>
+            <a:r>
+              <a:rPr lang="en-US" dirty="0" err="1"/>
+              <a:t>authProvider</a:t>
+            </a:r>
+            <a:r>
+              <a:rPr lang="en-US" dirty="0"/>
+              <a:t>? Just like a </a:t>
+            </a:r>
+            <a:r>
+              <a:rPr lang="en-US" dirty="0" err="1"/>
+              <a:t>dataProvider</a:t>
+            </a:r>
+            <a:r>
+              <a:rPr lang="en-US" dirty="0"/>
+              <a:t>, an </a:t>
+            </a:r>
+            <a:r>
+              <a:rPr lang="en-US" dirty="0" err="1"/>
+              <a:t>authProvider</a:t>
+            </a:r>
+            <a:r>
+              <a:rPr lang="en-US" dirty="0"/>
+              <a:t> is an object that handles authentication and authorization logic. </a:t>
+            </a:r>
+          </a:p>
+          <a:p>
+            <a:r>
+              <a:rPr lang="en-US" dirty="0"/>
+              <a:t>It exposes methods that react-admin calls when needed, and that you can call manually through specialized hooks. The </a:t>
+            </a:r>
+            <a:r>
+              <a:rPr lang="en-US" dirty="0" err="1"/>
+              <a:t>authProvider</a:t>
+            </a:r>
+            <a:r>
+              <a:rPr lang="en-US" dirty="0"/>
+              <a:t> methods must return a Promise.</a:t>
+            </a:r>
           </a:p>
         </p:txBody>
       </p:sp>
       <p:pic>
         <p:nvPicPr>
-          <p:cNvPr id="5" name="Picture 4">
+          <p:cNvPr id="8" name="Picture 7">
             <a:extLst>
               <a:ext uri="{FF2B5EF4-FFF2-40B4-BE49-F238E27FC236}">
-                <a16:creationId xmlns:a16="http://schemas.microsoft.com/office/drawing/2014/main" id="{7E631C13-8191-452C-96A9-0D42BA205F23}"/>
+                <a16:creationId xmlns:a16="http://schemas.microsoft.com/office/drawing/2014/main" id="{876E5289-D391-4B4C-BC0E-166ABCF6E804}"/>
               </a:ext>
             </a:extLst>
           </p:cNvPr>
@@ -6804,8 +6747,8 @@
         </p:blipFill>
         <p:spPr>
           <a:xfrm>
-            <a:off x="6354015" y="1855647"/>
-            <a:ext cx="4540127" cy="4685729"/>
+            <a:off x="6096000" y="2076040"/>
+            <a:ext cx="4892464" cy="4024124"/>
           </a:xfrm>
           <a:prstGeom prst="rect">
             <a:avLst/>
@@ -6815,7 +6758,7 @@
     </p:spTree>
     <p:extLst>
       <p:ext uri="{BB962C8B-B14F-4D97-AF65-F5344CB8AC3E}">
-        <p14:creationId xmlns:p14="http://schemas.microsoft.com/office/powerpoint/2010/main" val="2949718405"/>
+        <p14:creationId xmlns:p14="http://schemas.microsoft.com/office/powerpoint/2010/main" val="2529436026"/>
       </p:ext>
     </p:extLst>
   </p:cSld>
@@ -6847,7 +6790,7 @@
           <p:cNvPr id="2" name="Title 1">
             <a:extLst>
               <a:ext uri="{FF2B5EF4-FFF2-40B4-BE49-F238E27FC236}">
-                <a16:creationId xmlns:a16="http://schemas.microsoft.com/office/drawing/2014/main" id="{B7FD5277-35E8-4C6B-96A2-60EE69089649}"/>
+                <a16:creationId xmlns:a16="http://schemas.microsoft.com/office/drawing/2014/main" id="{DAD1EE84-DDBD-441A-B793-9A60003CB88C}"/>
               </a:ext>
             </a:extLst>
           </p:cNvPr>
@@ -6858,20 +6801,20 @@
             <p:ph type="title"/>
           </p:nvPr>
         </p:nvSpPr>
-        <p:spPr/>
+        <p:spPr>
+          <a:xfrm>
+            <a:off x="2895600" y="764373"/>
+            <a:ext cx="8610600" cy="1091275"/>
+          </a:xfrm>
+        </p:spPr>
         <p:txBody>
           <a:bodyPr/>
           <a:lstStyle/>
           <a:p>
             <a:r>
               <a:rPr lang="en-US" dirty="0"/>
-              <a:t>Future </a:t>
-            </a:r>
-            <a:r>
-              <a:rPr lang="en-US" dirty="0" err="1"/>
-              <a:t>SCope</a:t>
-            </a:r>
-            <a:endParaRPr lang="en-US" dirty="0"/>
+              <a:t>STYLING</a:t>
+            </a:r>
           </a:p>
         </p:txBody>
       </p:sp>
@@ -6880,7 +6823,7 @@
           <p:cNvPr id="3" name="Content Placeholder 2">
             <a:extLst>
               <a:ext uri="{FF2B5EF4-FFF2-40B4-BE49-F238E27FC236}">
-                <a16:creationId xmlns:a16="http://schemas.microsoft.com/office/drawing/2014/main" id="{7D4BA0A9-CA3E-46B4-B1CF-CC74EE2C1FFC}"/>
+                <a16:creationId xmlns:a16="http://schemas.microsoft.com/office/drawing/2014/main" id="{E650056A-E415-4BFC-927B-EFA44318A259}"/>
               </a:ext>
             </a:extLst>
           </p:cNvPr>
@@ -6891,124 +6834,78 @@
             <p:ph idx="1"/>
           </p:nvPr>
         </p:nvSpPr>
-        <p:spPr/>
+        <p:spPr>
+          <a:xfrm>
+            <a:off x="685800" y="1976284"/>
+            <a:ext cx="5139532" cy="4242401"/>
+          </a:xfrm>
+        </p:spPr>
         <p:txBody>
           <a:bodyPr>
             <a:normAutofit/>
           </a:bodyPr>
           <a:lstStyle/>
           <a:p>
-            <a:r>
-              <a:rPr lang="fr-FR" sz="2000" b="0" i="0" u="none" strike="noStrike" baseline="0" dirty="0" err="1"/>
-              <a:t>Add</a:t>
-            </a:r>
-            <a:r>
-              <a:rPr lang="fr-FR" sz="2000" b="0" i="0" u="none" strike="noStrike" baseline="0" dirty="0"/>
-              <a:t> Google </a:t>
-            </a:r>
-            <a:r>
-              <a:rPr lang="fr-FR" sz="2000" b="0" i="0" u="none" strike="noStrike" baseline="0" dirty="0" err="1"/>
-              <a:t>Maps</a:t>
-            </a:r>
-            <a:r>
-              <a:rPr lang="fr-FR" sz="2000" b="0" i="0" u="none" strike="noStrike" baseline="0" dirty="0"/>
-              <a:t> Distance Matrix API to </a:t>
-            </a:r>
-            <a:r>
-              <a:rPr lang="fr-FR" sz="2000" b="0" i="0" u="none" strike="noStrike" baseline="0" dirty="0" err="1"/>
-              <a:t>get</a:t>
-            </a:r>
-            <a:r>
-              <a:rPr lang="fr-FR" sz="2000" b="0" i="0" u="none" strike="noStrike" baseline="0" dirty="0"/>
-              <a:t> the live </a:t>
-            </a:r>
-            <a:r>
-              <a:rPr lang="fr-FR" sz="2000" b="0" i="0" u="none" strike="noStrike" baseline="0" dirty="0" err="1"/>
-              <a:t>tracking</a:t>
-            </a:r>
-            <a:r>
-              <a:rPr lang="fr-FR" sz="2000" b="0" i="0" u="none" strike="noStrike" baseline="0" dirty="0"/>
-              <a:t> of the </a:t>
-            </a:r>
-            <a:r>
-              <a:rPr lang="fr-FR" sz="2000" b="0" i="0" u="none" strike="noStrike" baseline="0" dirty="0" err="1"/>
-              <a:t>Mechanic</a:t>
-            </a:r>
-            <a:r>
-              <a:rPr lang="fr-FR" sz="2000" b="0" i="0" u="none" strike="noStrike" baseline="0" dirty="0"/>
-              <a:t> and the user locations.</a:t>
-            </a:r>
-          </a:p>
-          <a:p>
-            <a:r>
-              <a:rPr lang="fr-FR" sz="2000" dirty="0"/>
-              <a:t>Registration for </a:t>
-            </a:r>
-            <a:r>
-              <a:rPr lang="fr-FR" sz="2000" dirty="0" err="1"/>
-              <a:t>Mechanics</a:t>
-            </a:r>
-            <a:r>
-              <a:rPr lang="fr-FR" sz="2000" dirty="0"/>
-              <a:t> </a:t>
-            </a:r>
-            <a:r>
-              <a:rPr lang="fr-FR" sz="2000" dirty="0" err="1"/>
-              <a:t>directly</a:t>
-            </a:r>
-            <a:r>
-              <a:rPr lang="fr-FR" sz="2000" dirty="0"/>
-              <a:t> in the app.</a:t>
-            </a:r>
-          </a:p>
-          <a:p>
-            <a:r>
-              <a:rPr lang="fr-FR" sz="2000" dirty="0"/>
-              <a:t>Mobile app </a:t>
-            </a:r>
-            <a:r>
-              <a:rPr lang="fr-FR" sz="2000" dirty="0" err="1"/>
-              <a:t>flexibility</a:t>
-            </a:r>
-            <a:r>
-              <a:rPr lang="fr-FR" sz="2000" dirty="0"/>
-              <a:t>.</a:t>
-            </a:r>
-          </a:p>
-          <a:p>
-            <a:r>
-              <a:rPr lang="fr-FR" sz="2000" dirty="0"/>
-              <a:t>Platform </a:t>
-            </a:r>
-            <a:r>
-              <a:rPr lang="fr-FR" sz="2000" dirty="0" err="1"/>
-              <a:t>hosting</a:t>
-            </a:r>
-            <a:r>
-              <a:rPr lang="fr-FR" sz="2000" dirty="0"/>
-              <a:t> </a:t>
-            </a:r>
-            <a:r>
-              <a:rPr lang="fr-FR" sz="2000" dirty="0" err="1"/>
-              <a:t>with</a:t>
-            </a:r>
-            <a:r>
-              <a:rPr lang="fr-FR" sz="2000" dirty="0"/>
-              <a:t> AWS and Azure.</a:t>
-            </a:r>
-          </a:p>
-          <a:p>
-            <a:endParaRPr lang="fr-FR" sz="2000" dirty="0"/>
-          </a:p>
-          <a:p>
-            <a:endParaRPr lang="en-US" sz="2400" dirty="0"/>
-          </a:p>
-        </p:txBody>
-      </p:sp>
+            <a:pPr marL="342900" marR="0" lvl="0" indent="-342900">
+              <a:lnSpc>
+                <a:spcPct val="150000"/>
+              </a:lnSpc>
+              <a:spcBef>
+                <a:spcPts val="0"/>
+              </a:spcBef>
+              <a:spcAft>
+                <a:spcPts val="0"/>
+              </a:spcAft>
+              <a:buFont typeface="Symbol" panose="05050102010706020507" pitchFamily="18" charset="2"/>
+              <a:buChar char=""/>
+            </a:pPr>
+            <a:r>
+              <a:rPr lang="en-US" sz="2000" dirty="0">
+                <a:effectLst/>
+                <a:latin typeface="+mj-lt"/>
+                <a:ea typeface="Calibri" panose="020F0502020204030204" pitchFamily="34" charset="0"/>
+                <a:cs typeface="Times New Roman" panose="02020603050405020304" pitchFamily="18" charset="0"/>
+              </a:rPr>
+              <a:t>All the styles are given externally in App.css file.</a:t>
+            </a:r>
+            <a:endParaRPr lang="en-US" dirty="0"/>
+          </a:p>
+        </p:txBody>
+      </p:sp>
+      <p:pic>
+        <p:nvPicPr>
+          <p:cNvPr id="5" name="Picture 4">
+            <a:extLst>
+              <a:ext uri="{FF2B5EF4-FFF2-40B4-BE49-F238E27FC236}">
+                <a16:creationId xmlns:a16="http://schemas.microsoft.com/office/drawing/2014/main" id="{7E631C13-8191-452C-96A9-0D42BA205F23}"/>
+              </a:ext>
+            </a:extLst>
+          </p:cNvPr>
+          <p:cNvPicPr>
+            <a:picLocks noChangeAspect="1"/>
+          </p:cNvPicPr>
+          <p:nvPr/>
+        </p:nvPicPr>
+        <p:blipFill>
+          <a:blip r:embed="rId2"/>
+          <a:stretch>
+            <a:fillRect/>
+          </a:stretch>
+        </p:blipFill>
+        <p:spPr>
+          <a:xfrm>
+            <a:off x="6354015" y="1855647"/>
+            <a:ext cx="4540127" cy="4685729"/>
+          </a:xfrm>
+          <a:prstGeom prst="rect">
+            <a:avLst/>
+          </a:prstGeom>
+        </p:spPr>
+      </p:pic>
     </p:spTree>
     <p:extLst>
       <p:ext uri="{BB962C8B-B14F-4D97-AF65-F5344CB8AC3E}">
-        <p14:creationId xmlns:p14="http://schemas.microsoft.com/office/powerpoint/2010/main" val="158529925"/>
+        <p14:creationId xmlns:p14="http://schemas.microsoft.com/office/powerpoint/2010/main" val="2949718405"/>
       </p:ext>
     </p:extLst>
   </p:cSld>
@@ -7040,6 +6937,217 @@
           <p:cNvPr id="2" name="Title 1">
             <a:extLst>
               <a:ext uri="{FF2B5EF4-FFF2-40B4-BE49-F238E27FC236}">
+                <a16:creationId xmlns:a16="http://schemas.microsoft.com/office/drawing/2014/main" id="{B7FD5277-35E8-4C6B-96A2-60EE69089649}"/>
+              </a:ext>
+            </a:extLst>
+          </p:cNvPr>
+          <p:cNvSpPr>
+            <a:spLocks noGrp="1"/>
+          </p:cNvSpPr>
+          <p:nvPr>
+            <p:ph type="title"/>
+          </p:nvPr>
+        </p:nvSpPr>
+        <p:spPr/>
+        <p:txBody>
+          <a:bodyPr/>
+          <a:lstStyle/>
+          <a:p>
+            <a:r>
+              <a:rPr lang="en-US" dirty="0"/>
+              <a:t>Future </a:t>
+            </a:r>
+            <a:r>
+              <a:rPr lang="en-US" dirty="0" err="1"/>
+              <a:t>SCope</a:t>
+            </a:r>
+            <a:endParaRPr lang="en-US" dirty="0"/>
+          </a:p>
+        </p:txBody>
+      </p:sp>
+      <p:sp>
+        <p:nvSpPr>
+          <p:cNvPr id="3" name="Content Placeholder 2">
+            <a:extLst>
+              <a:ext uri="{FF2B5EF4-FFF2-40B4-BE49-F238E27FC236}">
+                <a16:creationId xmlns:a16="http://schemas.microsoft.com/office/drawing/2014/main" id="{7D4BA0A9-CA3E-46B4-B1CF-CC74EE2C1FFC}"/>
+              </a:ext>
+            </a:extLst>
+          </p:cNvPr>
+          <p:cNvSpPr>
+            <a:spLocks noGrp="1"/>
+          </p:cNvSpPr>
+          <p:nvPr>
+            <p:ph idx="1"/>
+          </p:nvPr>
+        </p:nvSpPr>
+        <p:spPr/>
+        <p:txBody>
+          <a:bodyPr>
+            <a:normAutofit/>
+          </a:bodyPr>
+          <a:lstStyle/>
+          <a:p>
+            <a:r>
+              <a:rPr lang="fr-FR" sz="2000" b="0" i="0" u="none" strike="noStrike" baseline="0" dirty="0" err="1"/>
+              <a:t>Add</a:t>
+            </a:r>
+            <a:r>
+              <a:rPr lang="fr-FR" sz="2000" b="0" i="0" u="none" strike="noStrike" baseline="0" dirty="0"/>
+              <a:t> Google </a:t>
+            </a:r>
+            <a:r>
+              <a:rPr lang="fr-FR" sz="2000" b="0" i="0" u="none" strike="noStrike" baseline="0" dirty="0" err="1"/>
+              <a:t>Maps</a:t>
+            </a:r>
+            <a:r>
+              <a:rPr lang="fr-FR" sz="2000" b="0" i="0" u="none" strike="noStrike" baseline="0" dirty="0"/>
+              <a:t> Distance Matrix API to </a:t>
+            </a:r>
+            <a:r>
+              <a:rPr lang="fr-FR" sz="2000" b="0" i="0" u="none" strike="noStrike" baseline="0" dirty="0" err="1"/>
+              <a:t>get</a:t>
+            </a:r>
+            <a:r>
+              <a:rPr lang="fr-FR" sz="2000" b="0" i="0" u="none" strike="noStrike" baseline="0" dirty="0"/>
+              <a:t> the live </a:t>
+            </a:r>
+            <a:r>
+              <a:rPr lang="fr-FR" sz="2000" b="0" i="0" u="none" strike="noStrike" baseline="0" dirty="0" err="1"/>
+              <a:t>tracking</a:t>
+            </a:r>
+            <a:r>
+              <a:rPr lang="fr-FR" sz="2000" b="0" i="0" u="none" strike="noStrike" baseline="0" dirty="0"/>
+              <a:t> of the </a:t>
+            </a:r>
+            <a:r>
+              <a:rPr lang="fr-FR" sz="2000" b="0" i="0" u="none" strike="noStrike" baseline="0" dirty="0" err="1"/>
+              <a:t>Mechanic</a:t>
+            </a:r>
+            <a:r>
+              <a:rPr lang="fr-FR" sz="2000" b="0" i="0" u="none" strike="noStrike" baseline="0" dirty="0"/>
+              <a:t> and the user locations.</a:t>
+            </a:r>
+          </a:p>
+          <a:p>
+            <a:r>
+              <a:rPr lang="fr-FR" sz="2000" dirty="0"/>
+              <a:t>Registration for </a:t>
+            </a:r>
+            <a:r>
+              <a:rPr lang="fr-FR" sz="2000" dirty="0" err="1"/>
+              <a:t>Mechanics</a:t>
+            </a:r>
+            <a:r>
+              <a:rPr lang="fr-FR" sz="2000" dirty="0"/>
+              <a:t> </a:t>
+            </a:r>
+            <a:r>
+              <a:rPr lang="fr-FR" sz="2000" dirty="0" err="1"/>
+              <a:t>directly</a:t>
+            </a:r>
+            <a:r>
+              <a:rPr lang="fr-FR" sz="2000" dirty="0"/>
+              <a:t> in the app.</a:t>
+            </a:r>
+          </a:p>
+          <a:p>
+            <a:r>
+              <a:rPr lang="fr-FR" sz="2000" dirty="0"/>
+              <a:t>Mobile app </a:t>
+            </a:r>
+            <a:r>
+              <a:rPr lang="fr-FR" sz="2000" dirty="0" err="1"/>
+              <a:t>flexibility</a:t>
+            </a:r>
+            <a:r>
+              <a:rPr lang="fr-FR" sz="2000" dirty="0"/>
+              <a:t>.</a:t>
+            </a:r>
+          </a:p>
+          <a:p>
+            <a:r>
+              <a:rPr lang="fr-FR" sz="2000" dirty="0"/>
+              <a:t>Platform </a:t>
+            </a:r>
+            <a:r>
+              <a:rPr lang="fr-FR" sz="2000" dirty="0" err="1"/>
+              <a:t>hosting</a:t>
+            </a:r>
+            <a:r>
+              <a:rPr lang="fr-FR" sz="2000" dirty="0"/>
+              <a:t> </a:t>
+            </a:r>
+            <a:r>
+              <a:rPr lang="fr-FR" sz="2000" dirty="0" err="1"/>
+              <a:t>with</a:t>
+            </a:r>
+            <a:r>
+              <a:rPr lang="fr-FR" sz="2000" dirty="0"/>
+              <a:t> AWS and Azure.</a:t>
+            </a:r>
+          </a:p>
+          <a:p>
+            <a:r>
+              <a:rPr lang="fr-FR" sz="2000" dirty="0" err="1"/>
+              <a:t>Add</a:t>
+            </a:r>
+            <a:r>
+              <a:rPr lang="fr-FR" sz="2000" dirty="0"/>
+              <a:t> </a:t>
+            </a:r>
+            <a:r>
+              <a:rPr lang="fr-FR" sz="2000" dirty="0" err="1"/>
+              <a:t>Payment</a:t>
+            </a:r>
+            <a:r>
+              <a:rPr lang="fr-FR" sz="2000" dirty="0"/>
+              <a:t> option </a:t>
+            </a:r>
+          </a:p>
+          <a:p>
+            <a:endParaRPr lang="fr-FR" sz="2000" dirty="0"/>
+          </a:p>
+          <a:p>
+            <a:endParaRPr lang="en-US" sz="2400" dirty="0"/>
+          </a:p>
+        </p:txBody>
+      </p:sp>
+    </p:spTree>
+    <p:extLst>
+      <p:ext uri="{BB962C8B-B14F-4D97-AF65-F5344CB8AC3E}">
+        <p14:creationId xmlns:p14="http://schemas.microsoft.com/office/powerpoint/2010/main" val="158529925"/>
+      </p:ext>
+    </p:extLst>
+  </p:cSld>
+  <p:clrMapOvr>
+    <a:masterClrMapping/>
+  </p:clrMapOvr>
+</p:sld>
+</file>
+
+<file path=ppt/slides/slide15.xml><?xml version="1.0" encoding="utf-8"?>
+<p:sld xmlns:a="http://schemas.openxmlformats.org/drawingml/2006/main" xmlns:r="http://schemas.openxmlformats.org/officeDocument/2006/relationships" xmlns:p="http://schemas.openxmlformats.org/presentationml/2006/main">
+  <p:cSld>
+    <p:spTree>
+      <p:nvGrpSpPr>
+        <p:cNvPr id="1" name=""/>
+        <p:cNvGrpSpPr/>
+        <p:nvPr/>
+      </p:nvGrpSpPr>
+      <p:grpSpPr>
+        <a:xfrm>
+          <a:off x="0" y="0"/>
+          <a:ext cx="0" cy="0"/>
+          <a:chOff x="0" y="0"/>
+          <a:chExt cx="0" cy="0"/>
+        </a:xfrm>
+      </p:grpSpPr>
+      <p:sp>
+        <p:nvSpPr>
+          <p:cNvPr id="2" name="Title 1">
+            <a:extLst>
+              <a:ext uri="{FF2B5EF4-FFF2-40B4-BE49-F238E27FC236}">
                 <a16:creationId xmlns:a16="http://schemas.microsoft.com/office/drawing/2014/main" id="{68BC13F0-0342-4A15-A3FE-6BD63B0FACEF}"/>
               </a:ext>
             </a:extLst>
@@ -7177,7 +7285,7 @@
 </p:sld>
 </file>
 
-<file path=ppt/slides/slide15.xml><?xml version="1.0" encoding="utf-8"?>
+<file path=ppt/slides/slide16.xml><?xml version="1.0" encoding="utf-8"?>
 <p:sld xmlns:a="http://schemas.openxmlformats.org/drawingml/2006/main" xmlns:r="http://schemas.openxmlformats.org/officeDocument/2006/relationships" xmlns:p="http://schemas.openxmlformats.org/presentationml/2006/main">
   <p:cSld>
     <p:spTree>
@@ -8090,7 +8198,7 @@
           <p:cNvPr id="2" name="Title 1">
             <a:extLst>
               <a:ext uri="{FF2B5EF4-FFF2-40B4-BE49-F238E27FC236}">
-                <a16:creationId xmlns:a16="http://schemas.microsoft.com/office/drawing/2014/main" id="{57499376-AC39-08E3-1826-F04B37AA5D38}"/>
+                <a16:creationId xmlns:a16="http://schemas.microsoft.com/office/drawing/2014/main" id="{10497C97-89D2-8F61-F86C-61DD46029F88}"/>
               </a:ext>
             </a:extLst>
           </p:cNvPr>
@@ -8107,18 +8215,19 @@
           <a:lstStyle/>
           <a:p>
             <a:r>
-              <a:rPr lang="en-IN" dirty="0"/>
-              <a:t>Working screens</a:t>
-            </a:r>
+              <a:rPr lang="en-US" dirty="0"/>
+              <a:t>Users created </a:t>
+            </a:r>
+            <a:endParaRPr lang="en-IN" dirty="0"/>
           </a:p>
         </p:txBody>
       </p:sp>
       <p:pic>
         <p:nvPicPr>
-          <p:cNvPr id="4" name="Content Placeholder 3" descr="Graphical user interface, application&#10;&#10;Description automatically generated">
+          <p:cNvPr id="5" name="Content Placeholder 4" descr="Graphical user interface, application&#10;&#10;Description automatically generated">
             <a:extLst>
               <a:ext uri="{FF2B5EF4-FFF2-40B4-BE49-F238E27FC236}">
-                <a16:creationId xmlns:a16="http://schemas.microsoft.com/office/drawing/2014/main" id="{9F85B90B-7285-7C56-AC09-5E2128D5AB07}"/>
+                <a16:creationId xmlns:a16="http://schemas.microsoft.com/office/drawing/2014/main" id="{EF0D207E-DCE1-11E0-30C9-D0E0C4427A47}"/>
               </a:ext>
             </a:extLst>
           </p:cNvPr>
@@ -8130,55 +8239,28 @@
           </p:nvPr>
         </p:nvPicPr>
         <p:blipFill>
-          <a:blip r:embed="rId2"/>
+          <a:blip r:embed="rId2">
+            <a:extLst>
+              <a:ext uri="{28A0092B-C50C-407E-A947-70E740481C1C}">
+                <a14:useLocalDpi xmlns:a14="http://schemas.microsoft.com/office/drawing/2010/main" val="0"/>
+              </a:ext>
+            </a:extLst>
+          </a:blip>
           <a:stretch>
             <a:fillRect/>
           </a:stretch>
         </p:blipFill>
         <p:spPr>
           <a:xfrm>
-            <a:off x="952331" y="2226975"/>
-            <a:ext cx="3886537" cy="2758679"/>
-          </a:xfrm>
-          <a:prstGeom prst="rect">
-            <a:avLst/>
-          </a:prstGeom>
-        </p:spPr>
-      </p:pic>
-      <p:pic>
-        <p:nvPicPr>
-          <p:cNvPr id="5" name="Picture 4" descr="A screenshot of a computer&#10;&#10;Description automatically generated">
-            <a:extLst>
-              <a:ext uri="{FF2B5EF4-FFF2-40B4-BE49-F238E27FC236}">
-                <a16:creationId xmlns:a16="http://schemas.microsoft.com/office/drawing/2014/main" id="{8AF6EE6D-0077-88E7-5C98-8F2C8839C6FC}"/>
-              </a:ext>
-            </a:extLst>
-          </p:cNvPr>
-          <p:cNvPicPr>
-            <a:picLocks noChangeAspect="1"/>
-          </p:cNvPicPr>
-          <p:nvPr/>
-        </p:nvPicPr>
-        <p:blipFill>
-          <a:blip r:embed="rId3"/>
-          <a:stretch>
-            <a:fillRect/>
-          </a:stretch>
-        </p:blipFill>
-        <p:spPr>
-          <a:xfrm>
-            <a:off x="5719917" y="2226974"/>
-            <a:ext cx="6285598" cy="2758679"/>
-          </a:xfrm>
-          <a:prstGeom prst="rect">
-            <a:avLst/>
-          </a:prstGeom>
+            <a:off x="685800" y="2197485"/>
+            <a:ext cx="10820400" cy="4017192"/>
+          </a:xfrm>
         </p:spPr>
       </p:pic>
     </p:spTree>
     <p:extLst>
       <p:ext uri="{BB962C8B-B14F-4D97-AF65-F5344CB8AC3E}">
-        <p14:creationId xmlns:p14="http://schemas.microsoft.com/office/powerpoint/2010/main" val="76732467"/>
+        <p14:creationId xmlns:p14="http://schemas.microsoft.com/office/powerpoint/2010/main" val="1088029047"/>
       </p:ext>
     </p:extLst>
   </p:cSld>
@@ -8210,7 +8292,7 @@
           <p:cNvPr id="2" name="Title 1">
             <a:extLst>
               <a:ext uri="{FF2B5EF4-FFF2-40B4-BE49-F238E27FC236}">
-                <a16:creationId xmlns:a16="http://schemas.microsoft.com/office/drawing/2014/main" id="{EE66CC78-AEB9-DF90-7AF3-A53EC45CC645}"/>
+                <a16:creationId xmlns:a16="http://schemas.microsoft.com/office/drawing/2014/main" id="{57499376-AC39-08E3-1826-F04B37AA5D38}"/>
               </a:ext>
             </a:extLst>
           </p:cNvPr>
@@ -8235,10 +8317,10 @@
       </p:sp>
       <p:pic>
         <p:nvPicPr>
-          <p:cNvPr id="4" name="Content Placeholder 3" descr="A screenshot of a computer&#10;&#10;Description automatically generated with medium confidence">
+          <p:cNvPr id="4" name="Content Placeholder 3" descr="Graphical user interface, application&#10;&#10;Description automatically generated">
             <a:extLst>
               <a:ext uri="{FF2B5EF4-FFF2-40B4-BE49-F238E27FC236}">
-                <a16:creationId xmlns:a16="http://schemas.microsoft.com/office/drawing/2014/main" id="{0E11F7CC-A1FC-914E-A2A3-D112E4F563EC}"/>
+                <a16:creationId xmlns:a16="http://schemas.microsoft.com/office/drawing/2014/main" id="{9F85B90B-7285-7C56-AC09-5E2128D5AB07}"/>
               </a:ext>
             </a:extLst>
           </p:cNvPr>
@@ -8257,8 +8339,8 @@
         </p:blipFill>
         <p:spPr>
           <a:xfrm>
-            <a:off x="462116" y="3249684"/>
-            <a:ext cx="5325058" cy="2507567"/>
+            <a:off x="952331" y="2226975"/>
+            <a:ext cx="3886537" cy="2758679"/>
           </a:xfrm>
           <a:prstGeom prst="rect">
             <a:avLst/>
@@ -8267,10 +8349,10 @@
       </p:pic>
       <p:pic>
         <p:nvPicPr>
-          <p:cNvPr id="7" name="Picture 6">
+          <p:cNvPr id="6" name="Picture 5">
             <a:extLst>
               <a:ext uri="{FF2B5EF4-FFF2-40B4-BE49-F238E27FC236}">
-                <a16:creationId xmlns:a16="http://schemas.microsoft.com/office/drawing/2014/main" id="{FFF7B537-8355-9E1B-C997-F75D031C6B9E}"/>
+                <a16:creationId xmlns:a16="http://schemas.microsoft.com/office/drawing/2014/main" id="{917EE82D-F6C6-B6EA-373C-C7B4CB1A56F7}"/>
               </a:ext>
             </a:extLst>
           </p:cNvPr>
@@ -8287,8 +8369,8 @@
         </p:blipFill>
         <p:spPr>
           <a:xfrm>
-            <a:off x="6096000" y="3215649"/>
-            <a:ext cx="5633884" cy="2541602"/>
+            <a:off x="5872315" y="2258998"/>
+            <a:ext cx="6115069" cy="2758678"/>
           </a:xfrm>
           <a:prstGeom prst="rect">
             <a:avLst/>
@@ -8298,7 +8380,7 @@
     </p:spTree>
     <p:extLst>
       <p:ext uri="{BB962C8B-B14F-4D97-AF65-F5344CB8AC3E}">
-        <p14:creationId xmlns:p14="http://schemas.microsoft.com/office/powerpoint/2010/main" val="3962693500"/>
+        <p14:creationId xmlns:p14="http://schemas.microsoft.com/office/powerpoint/2010/main" val="76732467"/>
       </p:ext>
     </p:extLst>
   </p:cSld>
@@ -8325,12 +8407,40 @@
           <a:chExt cx="0" cy="0"/>
         </a:xfrm>
       </p:grpSpPr>
+      <p:sp>
+        <p:nvSpPr>
+          <p:cNvPr id="2" name="Title 1">
+            <a:extLst>
+              <a:ext uri="{FF2B5EF4-FFF2-40B4-BE49-F238E27FC236}">
+                <a16:creationId xmlns:a16="http://schemas.microsoft.com/office/drawing/2014/main" id="{EE66CC78-AEB9-DF90-7AF3-A53EC45CC645}"/>
+              </a:ext>
+            </a:extLst>
+          </p:cNvPr>
+          <p:cNvSpPr>
+            <a:spLocks noGrp="1"/>
+          </p:cNvSpPr>
+          <p:nvPr>
+            <p:ph type="title"/>
+          </p:nvPr>
+        </p:nvSpPr>
+        <p:spPr/>
+        <p:txBody>
+          <a:bodyPr/>
+          <a:lstStyle/>
+          <a:p>
+            <a:r>
+              <a:rPr lang="en-IN" dirty="0"/>
+              <a:t>Working screens</a:t>
+            </a:r>
+          </a:p>
+        </p:txBody>
+      </p:sp>
       <p:pic>
         <p:nvPicPr>
-          <p:cNvPr id="5" name="Content Placeholder 4">
+          <p:cNvPr id="4" name="Content Placeholder 3" descr="A screenshot of a computer&#10;&#10;Description automatically generated with medium confidence">
             <a:extLst>
               <a:ext uri="{FF2B5EF4-FFF2-40B4-BE49-F238E27FC236}">
-                <a16:creationId xmlns:a16="http://schemas.microsoft.com/office/drawing/2014/main" id="{A1582DCC-8DDE-B761-6C45-8E473261E774}"/>
+                <a16:creationId xmlns:a16="http://schemas.microsoft.com/office/drawing/2014/main" id="{0E11F7CC-A1FC-914E-A2A3-D112E4F563EC}"/>
               </a:ext>
             </a:extLst>
           </p:cNvPr>
@@ -8349,17 +8459,20 @@
         </p:blipFill>
         <p:spPr>
           <a:xfrm>
-            <a:off x="2580129" y="640504"/>
-            <a:ext cx="7405367" cy="2562466"/>
-          </a:xfrm>
+            <a:off x="462116" y="3249684"/>
+            <a:ext cx="5325058" cy="2507567"/>
+          </a:xfrm>
+          <a:prstGeom prst="rect">
+            <a:avLst/>
+          </a:prstGeom>
         </p:spPr>
       </p:pic>
       <p:pic>
         <p:nvPicPr>
-          <p:cNvPr id="7" name="Picture 6">
+          <p:cNvPr id="5" name="Picture 4" descr="A screenshot of a computer&#10;&#10;Description automatically generated">
             <a:extLst>
               <a:ext uri="{FF2B5EF4-FFF2-40B4-BE49-F238E27FC236}">
-                <a16:creationId xmlns:a16="http://schemas.microsoft.com/office/drawing/2014/main" id="{D76D383C-9E3C-23E9-1D86-6258C395E5B7}"/>
+                <a16:creationId xmlns:a16="http://schemas.microsoft.com/office/drawing/2014/main" id="{6A4E9824-D6F9-0099-703B-D5737FF7DAD5}"/>
               </a:ext>
             </a:extLst>
           </p:cNvPr>
@@ -8376,8 +8489,8 @@
         </p:blipFill>
         <p:spPr>
           <a:xfrm>
-            <a:off x="3077497" y="3429000"/>
-            <a:ext cx="6410632" cy="3326890"/>
+            <a:off x="6180464" y="3239860"/>
+            <a:ext cx="5719026" cy="2510017"/>
           </a:xfrm>
           <a:prstGeom prst="rect">
             <a:avLst/>
@@ -8387,7 +8500,7 @@
     </p:spTree>
     <p:extLst>
       <p:ext uri="{BB962C8B-B14F-4D97-AF65-F5344CB8AC3E}">
-        <p14:creationId xmlns:p14="http://schemas.microsoft.com/office/powerpoint/2010/main" val="3778883071"/>
+        <p14:creationId xmlns:p14="http://schemas.microsoft.com/office/powerpoint/2010/main" val="3962693500"/>
       </p:ext>
     </p:extLst>
   </p:cSld>
